--- a/slides/03企業のグローバル化.pptx
+++ b/slides/03企業のグローバル化.pptx
@@ -353,6 +353,650 @@
 </p:presentation>
 </file>
 
+<file path=ppt/ink/ink1.xml><?xml version="1.0" encoding="utf-8"?>
+<inkml:ink xmlns:inkml="http://www.w3.org/2003/InkML">
+  <inkml:definitions>
+    <inkml:context xml:id="ctx0">
+      <inkml:inkSource xml:id="inkSrc0">
+        <inkml:traceFormat>
+          <inkml:channel name="X" type="integer" min="-2.14748E9" max="2.14748E9" units="cm"/>
+          <inkml:channel name="Y" type="integer" min="-2.14748E9" max="2.14748E9" units="cm"/>
+        </inkml:traceFormat>
+        <inkml:channelProperties>
+          <inkml:channelProperty channel="X" name="resolution" value="1000" units="1/cm"/>
+          <inkml:channelProperty channel="Y" name="resolution" value="1000" units="1/cm"/>
+        </inkml:channelProperties>
+      </inkml:inkSource>
+      <inkml:timestamp xml:id="ts0" timeString="2024-05-14T07:01:43.767"/>
+    </inkml:context>
+    <inkml:brush xml:id="br0">
+      <inkml:brushProperty name="width" value="0.2" units="cm"/>
+      <inkml:brushProperty name="height" value="0.4" units="cm"/>
+      <inkml:brushProperty name="color" value="#FFACD5"/>
+      <inkml:brushProperty name="tip" value="rectangle"/>
+      <inkml:brushProperty name="rasterOp" value="maskPen"/>
+    </inkml:brush>
+  </inkml:definitions>
+  <inkml:trace contextRef="#ctx0" brushRef="#br0">2854 3329,'-52'3,"0"1,-13 0,-6-2,-19-1,-7-5,15-4,-5-4,-2-5,12-1,-2-3,-1-4,0-2,-4-4,-1-4,1-1,1-4,0-2,0-3,3-1,1-1,6 1,2 0,2 0,2-1,-13-10,4-1,2 1,7 1,4 1,2-1,8 5,2 0,4 1,-16-20,6 1,10 7,5 1,9 6,4 0,5 2,4-2,4-9,7-4,10-9,12-4,8 17,10-3,8 1,3 7,7-1,6 0,5 3,1 5,4 1,5 2,3 0,3 2,-3 3,3 1,2 0,3 2,2 1,0 2,-4 4,1 0,2 2,1 1,1 1,1 2,0 1,5 0,2 2,0 2,1 1,1 1,0 1,0 2,1 1,1 1,0 1,1 1,0 2,-1 1,-1 0,-2 2,-1 1,1 1,-1 1,-1 0,0 2,-2 2,8 0,-2 1,0 2,-1 1,-2 2,-2 3,7 2,-2 3,-2 2,-2 4,-3 3,9 6,-2 5,-5 4,-5 7,-7 5,-4 5,-4 6,-5 3,-3 6,-5 5,-4 5,-4 3,-12-10,-3 4,-3 3,-3 1,-2 2,0 7,-4 2,-2 2,-2 1,-1-1,-2 2,-2 1,-2 0,-2 0,-1 0,-1 1,-2 0,-1 1,-2-2,-4-2,-2-7,-2 0,-3-3,-4-1,-6-2,-10 13,-7-3,-7-3,-9-6,1-19,-5-3,-6-4,-5-4,-3-4,-12-2,-5-5,-5-6,-2-2,-1-3,10-6,-2-3,-1-1,-1-3,0-2,2 0,2-3,0-1,0-2,0-1,2-1,2-1,-6 1,1-2,2-1,2 0,3-1,-3-1,2-1,5-1,8 1,-13 0,11 0,-17 0</inkml:trace>
+</inkml:ink>
+</file>
+
+<file path=ppt/ink/ink10.xml><?xml version="1.0" encoding="utf-8"?>
+<inkml:ink xmlns:inkml="http://www.w3.org/2003/InkML">
+  <inkml:definitions>
+    <inkml:context xml:id="ctx0">
+      <inkml:inkSource xml:id="inkSrc0">
+        <inkml:traceFormat>
+          <inkml:channel name="X" type="integer" min="-2.14748E9" max="2.14748E9" units="cm"/>
+          <inkml:channel name="Y" type="integer" min="-2.14748E9" max="2.14748E9" units="cm"/>
+        </inkml:traceFormat>
+        <inkml:channelProperties>
+          <inkml:channelProperty channel="X" name="resolution" value="1000" units="1/cm"/>
+          <inkml:channelProperty channel="Y" name="resolution" value="1000" units="1/cm"/>
+        </inkml:channelProperties>
+      </inkml:inkSource>
+      <inkml:timestamp xml:id="ts0" timeString="2024-05-14T07:02:50.945"/>
+    </inkml:context>
+    <inkml:brush xml:id="br0">
+      <inkml:brushProperty name="width" value="0.2" units="cm"/>
+      <inkml:brushProperty name="height" value="0.4" units="cm"/>
+      <inkml:brushProperty name="color" value="#FFACD5"/>
+      <inkml:brushProperty name="tip" value="rectangle"/>
+      <inkml:brushProperty name="rasterOp" value="maskPen"/>
+    </inkml:brush>
+  </inkml:definitions>
+  <inkml:trace contextRef="#ctx0" brushRef="#br0">0 0,'54'0,"26"0,-26 0,4 0,13 0,1 0,2 0,-1 0,-6 0,-4 0,33 0,-30 0,-25 0,-11 0,-17 0,-2 0</inkml:trace>
+</inkml:ink>
+</file>
+
+<file path=ppt/ink/ink11.xml><?xml version="1.0" encoding="utf-8"?>
+<inkml:ink xmlns:inkml="http://www.w3.org/2003/InkML">
+  <inkml:definitions>
+    <inkml:context xml:id="ctx0">
+      <inkml:inkSource xml:id="inkSrc0">
+        <inkml:traceFormat>
+          <inkml:channel name="X" type="integer" min="-2.14748E9" max="2.14748E9" units="cm"/>
+          <inkml:channel name="Y" type="integer" min="-2.14748E9" max="2.14748E9" units="cm"/>
+        </inkml:traceFormat>
+        <inkml:channelProperties>
+          <inkml:channelProperty channel="X" name="resolution" value="1000" units="1/cm"/>
+          <inkml:channelProperty channel="Y" name="resolution" value="1000" units="1/cm"/>
+        </inkml:channelProperties>
+      </inkml:inkSource>
+      <inkml:timestamp xml:id="ts0" timeString="2024-05-14T07:02:52.312"/>
+    </inkml:context>
+    <inkml:brush xml:id="br0">
+      <inkml:brushProperty name="width" value="0.2" units="cm"/>
+      <inkml:brushProperty name="height" value="0.4" units="cm"/>
+      <inkml:brushProperty name="color" value="#FFACD5"/>
+      <inkml:brushProperty name="tip" value="rectangle"/>
+      <inkml:brushProperty name="rasterOp" value="maskPen"/>
+    </inkml:brush>
+  </inkml:definitions>
+  <inkml:trace contextRef="#ctx0" brushRef="#br0">0 1,'52'0,"1"0,2 0,1 0,0 0,2 0,0 0,0 0,-2 0,-1 0,-2 0,0 0,0 0,-2 0,45 0,-4 7,-17 2,-18 2,-16 2,-15-6,-8-2,-2-2,11-3,13 0,5 0,-14 0,-14 0</inkml:trace>
+</inkml:ink>
+</file>
+
+<file path=ppt/ink/ink12.xml><?xml version="1.0" encoding="utf-8"?>
+<inkml:ink xmlns:inkml="http://www.w3.org/2003/InkML">
+  <inkml:definitions>
+    <inkml:context xml:id="ctx0">
+      <inkml:inkSource xml:id="inkSrc0">
+        <inkml:traceFormat>
+          <inkml:channel name="X" type="integer" min="-2.14748E9" max="2.14748E9" units="cm"/>
+          <inkml:channel name="Y" type="integer" min="-2.14748E9" max="2.14748E9" units="cm"/>
+        </inkml:traceFormat>
+        <inkml:channelProperties>
+          <inkml:channelProperty channel="X" name="resolution" value="1000" units="1/cm"/>
+          <inkml:channelProperty channel="Y" name="resolution" value="1000" units="1/cm"/>
+        </inkml:channelProperties>
+      </inkml:inkSource>
+      <inkml:timestamp xml:id="ts0" timeString="2024-05-14T07:02:53.911"/>
+    </inkml:context>
+    <inkml:brush xml:id="br0">
+      <inkml:brushProperty name="width" value="0.2" units="cm"/>
+      <inkml:brushProperty name="height" value="0.4" units="cm"/>
+      <inkml:brushProperty name="color" value="#FFACD5"/>
+      <inkml:brushProperty name="tip" value="rectangle"/>
+      <inkml:brushProperty name="rasterOp" value="maskPen"/>
+    </inkml:brush>
+  </inkml:definitions>
+  <inkml:trace contextRef="#ctx0" brushRef="#br0">1 1,'83'0,"-15"0,9 0,-12 0,5 0,2 0,17 0,5 0,1 0,-21 0,1 0,0 0,1 0,2 2,0 0,0 1,-1 1,0 0,-1 0,0 1,-1 0,18 2,-2 1,-2 1,-7 0,-2 0,-4 0,17 0,-7-2,-19-2,-7 0,31-1,-37-4,-29 0,-11 0</inkml:trace>
+</inkml:ink>
+</file>
+
+<file path=ppt/ink/ink13.xml><?xml version="1.0" encoding="utf-8"?>
+<inkml:ink xmlns:inkml="http://www.w3.org/2003/InkML">
+  <inkml:definitions>
+    <inkml:context xml:id="ctx0">
+      <inkml:inkSource xml:id="inkSrc0">
+        <inkml:traceFormat>
+          <inkml:channel name="X" type="integer" min="-2.14748E9" max="2.14748E9" units="cm"/>
+          <inkml:channel name="Y" type="integer" min="-2.14748E9" max="2.14748E9" units="cm"/>
+        </inkml:traceFormat>
+        <inkml:channelProperties>
+          <inkml:channelProperty channel="X" name="resolution" value="1000" units="1/cm"/>
+          <inkml:channelProperty channel="Y" name="resolution" value="1000" units="1/cm"/>
+        </inkml:channelProperties>
+      </inkml:inkSource>
+      <inkml:timestamp xml:id="ts0" timeString="2024-05-14T07:02:54.844"/>
+    </inkml:context>
+    <inkml:brush xml:id="br0">
+      <inkml:brushProperty name="width" value="0.2" units="cm"/>
+      <inkml:brushProperty name="height" value="0.4" units="cm"/>
+      <inkml:brushProperty name="color" value="#FFACD5"/>
+      <inkml:brushProperty name="tip" value="rectangle"/>
+      <inkml:brushProperty name="rasterOp" value="maskPen"/>
+    </inkml:brush>
+  </inkml:definitions>
+  <inkml:trace contextRef="#ctx0" brushRef="#br0">1 0,'91'0,"-26"0,7 0,20 0,5 0,-26 0,0 0,1 0,-2 0,1 0,-1 0,30 0,-4 0,-12 0,-4 0,-11 0,-7 0,23 0,-42 0,-23 0,-13 0</inkml:trace>
+</inkml:ink>
+</file>
+
+<file path=ppt/ink/ink14.xml><?xml version="1.0" encoding="utf-8"?>
+<inkml:ink xmlns:inkml="http://www.w3.org/2003/InkML">
+  <inkml:definitions>
+    <inkml:context xml:id="ctx0">
+      <inkml:inkSource xml:id="inkSrc0">
+        <inkml:traceFormat>
+          <inkml:channel name="X" type="integer" min="-2.14748E9" max="2.14748E9" units="cm"/>
+          <inkml:channel name="Y" type="integer" min="-2.14748E9" max="2.14748E9" units="cm"/>
+        </inkml:traceFormat>
+        <inkml:channelProperties>
+          <inkml:channelProperty channel="X" name="resolution" value="1000" units="1/cm"/>
+          <inkml:channelProperty channel="Y" name="resolution" value="1000" units="1/cm"/>
+        </inkml:channelProperties>
+      </inkml:inkSource>
+      <inkml:timestamp xml:id="ts0" timeString="2024-05-14T07:02:57.144"/>
+    </inkml:context>
+    <inkml:brush xml:id="br0">
+      <inkml:brushProperty name="width" value="0.2" units="cm"/>
+      <inkml:brushProperty name="height" value="0.4" units="cm"/>
+      <inkml:brushProperty name="color" value="#FFACD5"/>
+      <inkml:brushProperty name="tip" value="rectangle"/>
+      <inkml:brushProperty name="rasterOp" value="maskPen"/>
+    </inkml:brush>
+  </inkml:definitions>
+  <inkml:trace contextRef="#ctx0" brushRef="#br0">0 1,'0'0</inkml:trace>
+</inkml:ink>
+</file>
+
+<file path=ppt/ink/ink15.xml><?xml version="1.0" encoding="utf-8"?>
+<inkml:ink xmlns:inkml="http://www.w3.org/2003/InkML">
+  <inkml:definitions>
+    <inkml:context xml:id="ctx0">
+      <inkml:inkSource xml:id="inkSrc0">
+        <inkml:traceFormat>
+          <inkml:channel name="X" type="integer" min="-2.14748E9" max="2.14748E9" units="cm"/>
+          <inkml:channel name="Y" type="integer" min="-2.14748E9" max="2.14748E9" units="cm"/>
+        </inkml:traceFormat>
+        <inkml:channelProperties>
+          <inkml:channelProperty channel="X" name="resolution" value="1000" units="1/cm"/>
+          <inkml:channelProperty channel="Y" name="resolution" value="1000" units="1/cm"/>
+        </inkml:channelProperties>
+      </inkml:inkSource>
+      <inkml:timestamp xml:id="ts0" timeString="2024-05-14T07:03:00.251"/>
+    </inkml:context>
+    <inkml:brush xml:id="br0">
+      <inkml:brushProperty name="width" value="0.2" units="cm"/>
+      <inkml:brushProperty name="height" value="0.4" units="cm"/>
+      <inkml:brushProperty name="color" value="#FFACD5"/>
+      <inkml:brushProperty name="tip" value="rectangle"/>
+      <inkml:brushProperty name="rasterOp" value="maskPen"/>
+    </inkml:brush>
+  </inkml:definitions>
+  <inkml:trace contextRef="#ctx0" brushRef="#br0">0 1,'71'0,"12"0,-31 0,2 0,6 0,3 0,4 0,2 0,5 0,2 0,4 0,2 0,3 0,0 0,1 2,-2 1,-2 1,-1 1,-2 0,0-1,-2 1,-1-1,-1-2,-1 0,-4-2,-2 0,-7 0,-3 0,36 0,-17 0,-16 0,-13 0,-9 0,-10 0,-16 0,-4 0</inkml:trace>
+</inkml:ink>
+</file>
+
+<file path=ppt/ink/ink16.xml><?xml version="1.0" encoding="utf-8"?>
+<inkml:ink xmlns:inkml="http://www.w3.org/2003/InkML">
+  <inkml:definitions>
+    <inkml:context xml:id="ctx0">
+      <inkml:inkSource xml:id="inkSrc0">
+        <inkml:traceFormat>
+          <inkml:channel name="X" type="integer" min="-2.14748E9" max="2.14748E9" units="cm"/>
+          <inkml:channel name="Y" type="integer" min="-2.14748E9" max="2.14748E9" units="cm"/>
+        </inkml:traceFormat>
+        <inkml:channelProperties>
+          <inkml:channelProperty channel="X" name="resolution" value="1000" units="1/cm"/>
+          <inkml:channelProperty channel="Y" name="resolution" value="1000" units="1/cm"/>
+        </inkml:channelProperties>
+      </inkml:inkSource>
+      <inkml:timestamp xml:id="ts0" timeString="2024-05-14T07:03:07.843"/>
+    </inkml:context>
+    <inkml:brush xml:id="br0">
+      <inkml:brushProperty name="width" value="0.2" units="cm"/>
+      <inkml:brushProperty name="height" value="0.4" units="cm"/>
+      <inkml:brushProperty name="color" value="#FFACD5"/>
+      <inkml:brushProperty name="tip" value="rectangle"/>
+      <inkml:brushProperty name="rasterOp" value="maskPen"/>
+    </inkml:brush>
+  </inkml:definitions>
+  <inkml:trace contextRef="#ctx0" brushRef="#br0">1 1,'54'0,"1"0,6 0,2 0,14 0,3 0,11 0,3 0,-27 0,1 0,1 0,4 0,0 0,2 0,2 0,1 0,1 0,1 0,0 0,1 0,1 0,0 0,-1 0,-2 0,-2 0,-1 0,-7 0,-1 0,-1 0,23 2,-2 0,-9 0,-1 1,-3 1,0 2,-3 0,-1 1,-7-2,-3 0,-6 1,-4 0,33 2,-16-4,-4 0,0 0,5 2,7 1,4 0,4-4,0-1,-2-2,-1 0,1 0,2 0,-5 0,-12 0,-19 0,-16 0,-12 0,-9 0,-6 0</inkml:trace>
+</inkml:ink>
+</file>
+
+<file path=ppt/ink/ink17.xml><?xml version="1.0" encoding="utf-8"?>
+<inkml:ink xmlns:inkml="http://www.w3.org/2003/InkML">
+  <inkml:definitions>
+    <inkml:context xml:id="ctx0">
+      <inkml:inkSource xml:id="inkSrc0">
+        <inkml:traceFormat>
+          <inkml:channel name="X" type="integer" min="-2.14748E9" max="2.14748E9" units="cm"/>
+          <inkml:channel name="Y" type="integer" min="-2.14748E9" max="2.14748E9" units="cm"/>
+        </inkml:traceFormat>
+        <inkml:channelProperties>
+          <inkml:channelProperty channel="X" name="resolution" value="1000" units="1/cm"/>
+          <inkml:channelProperty channel="Y" name="resolution" value="1000" units="1/cm"/>
+        </inkml:channelProperties>
+      </inkml:inkSource>
+      <inkml:timestamp xml:id="ts0" timeString="2024-05-14T07:03:15.293"/>
+    </inkml:context>
+    <inkml:brush xml:id="br0">
+      <inkml:brushProperty name="width" value="0.2" units="cm"/>
+      <inkml:brushProperty name="height" value="0.4" units="cm"/>
+      <inkml:brushProperty name="color" value="#FFFC00"/>
+      <inkml:brushProperty name="tip" value="rectangle"/>
+      <inkml:brushProperty name="rasterOp" value="maskPen"/>
+    </inkml:brush>
+  </inkml:definitions>
+  <inkml:trace contextRef="#ctx0" brushRef="#br0">0 14,'93'0,"-1"0,-15 0,4 0,4 0,-8 0,2 0,3 0,0 0,4 0,2 0,1 0,0 0,-1 0,2 0,-2 0,-1 0,-6 0,-1 0,-2 0,-1 0,16 0,-2 0,-3 0,-7 0,-2 0,-2 0,22 0,-4 0,-9 0,-2 0,-11 0,-2 0,-8 0,-2 0,-5 0,-2 0,41 0,-2 0,-5 0,-8 0,-12-3,-12-1,-9 1,0 0,4 3,4 0,2 0,7 0,0 0,4 0,-3 0,-9 0,-9 3,-13 0,-10-2,-12 1,-6-4</inkml:trace>
+</inkml:ink>
+</file>
+
+<file path=ppt/ink/ink18.xml><?xml version="1.0" encoding="utf-8"?>
+<inkml:ink xmlns:inkml="http://www.w3.org/2003/InkML">
+  <inkml:definitions>
+    <inkml:context xml:id="ctx0">
+      <inkml:inkSource xml:id="inkSrc0">
+        <inkml:traceFormat>
+          <inkml:channel name="X" type="integer" min="-2.14748E9" max="2.14748E9" units="cm"/>
+          <inkml:channel name="Y" type="integer" min="-2.14748E9" max="2.14748E9" units="cm"/>
+        </inkml:traceFormat>
+        <inkml:channelProperties>
+          <inkml:channelProperty channel="X" name="resolution" value="1000" units="1/cm"/>
+          <inkml:channelProperty channel="Y" name="resolution" value="1000" units="1/cm"/>
+        </inkml:channelProperties>
+      </inkml:inkSource>
+      <inkml:timestamp xml:id="ts0" timeString="2024-05-14T07:03:17.777"/>
+    </inkml:context>
+    <inkml:brush xml:id="br0">
+      <inkml:brushProperty name="width" value="0.2" units="cm"/>
+      <inkml:brushProperty name="height" value="0.4" units="cm"/>
+      <inkml:brushProperty name="color" value="#FFFC00"/>
+      <inkml:brushProperty name="tip" value="rectangle"/>
+      <inkml:brushProperty name="rasterOp" value="maskPen"/>
+    </inkml:brush>
+  </inkml:definitions>
+  <inkml:trace contextRef="#ctx0" brushRef="#br0">1454 2196,'-88'0,"38"0,-1 0,-10 0,-2 0,-11 0,-1 0,-4-1,-1-3,0-5,2-5,4-6,4-7,4-7,5-7,5-3,4-2,6-1,4-2,5 1,4-1,5 2,4-1,2 1,4 1,-8-44,12 1,10 36,2-3,5-8,5-5,11-17,10-4,-2 23,6-1,4 1,8-5,5 2,3 1,4 0,2 2,3 4,-4 9,2 4,-1 4,23-14,0 10,-5 15,-1 8,-4 9,0 6,-1 4,0 3,0 5,-2 4,-2 4,-2 5,1 5,-2 5,-4 6,-2 5,-5 1,-4 2,-6-2,-3 1,-6 1,-3 2,18 42,-26-32,-3 3,-2 4,-3 3,-4 4,-2 1,-3 5,-2 2,-2 3,-2 2,-1 2,-3 0,-6 1,-4-1,-9-1,-7-2,-9-3,-6-1,-6-3,-3-1,-5-3,-1-2,-2-1,-1-1,-1-4,-1-1,-2-4,1-2,3-4,1-3,2-5,0-3,1-5,0-3,2-5,-1-5,0-3,0-8,4-12,5-3,-9 3,19-17</inkml:trace>
+</inkml:ink>
+</file>
+
+<file path=ppt/ink/ink19.xml><?xml version="1.0" encoding="utf-8"?>
+<inkml:ink xmlns:inkml="http://www.w3.org/2003/InkML">
+  <inkml:definitions>
+    <inkml:context xml:id="ctx0">
+      <inkml:inkSource xml:id="inkSrc0">
+        <inkml:traceFormat>
+          <inkml:channel name="X" type="integer" min="-2.14748E9" max="2.14748E9" units="cm"/>
+          <inkml:channel name="Y" type="integer" min="-2.14748E9" max="2.14748E9" units="cm"/>
+        </inkml:traceFormat>
+        <inkml:channelProperties>
+          <inkml:channelProperty channel="X" name="resolution" value="1000" units="1/cm"/>
+          <inkml:channelProperty channel="Y" name="resolution" value="1000" units="1/cm"/>
+        </inkml:channelProperties>
+      </inkml:inkSource>
+      <inkml:timestamp xml:id="ts0" timeString="2024-05-14T07:03:20.626"/>
+    </inkml:context>
+    <inkml:brush xml:id="br0">
+      <inkml:brushProperty name="width" value="0.2" units="cm"/>
+      <inkml:brushProperty name="height" value="0.4" units="cm"/>
+      <inkml:brushProperty name="color" value="#FFFC00"/>
+      <inkml:brushProperty name="tip" value="rectangle"/>
+      <inkml:brushProperty name="rasterOp" value="maskPen"/>
+    </inkml:brush>
+  </inkml:definitions>
+  <inkml:trace contextRef="#ctx0" brushRef="#br0">0 83,'0'53,"0"0,0 4,0 2,0 9,0 2,0 3,0 1,0-3,0 0,0-3,0-2,0-9,0-3,0 42,0-9,0-20,3-16,6-12,3-13,1 0,-1-5,-4-5,-1-5,5-4,5 1,9 2,17-3,16 0,18 0,21-1,-37-2,3 0,15 1,4 0,12 2,6-1,-19-1,4 1,2 0,-15-1,2 0,1 0,1 1,9 0,1 0,2 0,1 0,7 0,2-1,1 0,-1 1,-2-1,-1 1,1-1,1 0,-16-2,1 0,0 0,1 0,-1 0,0 0,1 0,-1 0,1-1,0 1,3 0,0-1,1 1,0-1,2 1,4-1,1 1,2-1,-1 1,0 0,0 0,0 1,0 0,0 0,0 1,2 0,0 0,0 1,0 0,-1 0,-3 0,0 1,-1 0,0 1,-1-1,-2 0,-1-1,0 1,0 0,-1 1,-2-1,-1 1,0 0,0-1,0 1,1 0,0 0,0-1,0 1,-1 0,1 0,-1 0,0-1,0 1,-1 0,-1 0,1-1,-1 1,-1-1,0 0,16 0,-1-1,-1 0,-2-1,-7-1,-2-1,-1 0,-1-1,-5 0,0 0,-1-1,-1 0,19-1,-1 0,-1 0,-3 0,-1 0,0 0,-4 0,0 0,-2 0,-2-1,-1-1,-1 1,-4-1,0 0,0 0,-3 0,0 0,0 0,-2 1,0-1,-1 1,30 1,-1 0,0 0,1 0,-28 0,2 0,1 0,0 0,2 0,0 0,7 0,1 0,0 0,0-1,1-1,-1 0,-5-1,-1-1,0-1,1-1,-1-1,1-2,-3 0,0-2,0 0,1 0,0-1,-1 1,1 0,0 0,-1 0,-2 2,0 0,-1 1,-2-1,0 1,-1-1,-3 1,0 0,-2 1,29-5,-2 0,-8 1,-3 1,-7 1,-4-1,-5 1,-1-2,-2-1,-1-1,1 0,0 0,-3 1,1 0,-3 2,-1 1,-4 2,-3 1,40-3,-5 5,-5 0,1 4,-8 0,-14 0,-12 0,-5 0,2 0,-1 0,-6 0,-11 0,-10-5,-7-17,-10-26,-5-28,-1 27,-1-2,-3-3,-2 1,2 4,-2 1,-15-41,5 4,-1-6,12 40,1 0,1-2,1 1,-8-37,7 21,5 22,3 22,3 9,-3 7,0-2,-1-9,1-21,3-18,0-16,0 6,0 17,0 25,0 17</inkml:trace>
+</inkml:ink>
+</file>
+
+<file path=ppt/ink/ink2.xml><?xml version="1.0" encoding="utf-8"?>
+<inkml:ink xmlns:inkml="http://www.w3.org/2003/InkML">
+  <inkml:definitions>
+    <inkml:context xml:id="ctx0">
+      <inkml:inkSource xml:id="inkSrc0">
+        <inkml:traceFormat>
+          <inkml:channel name="X" type="integer" min="-2.14748E9" max="2.14748E9" units="cm"/>
+          <inkml:channel name="Y" type="integer" min="-2.14748E9" max="2.14748E9" units="cm"/>
+        </inkml:traceFormat>
+        <inkml:channelProperties>
+          <inkml:channelProperty channel="X" name="resolution" value="1000" units="1/cm"/>
+          <inkml:channelProperty channel="Y" name="resolution" value="1000" units="1/cm"/>
+        </inkml:channelProperties>
+      </inkml:inkSource>
+      <inkml:timestamp xml:id="ts0" timeString="2024-05-14T07:01:45.152"/>
+    </inkml:context>
+    <inkml:brush xml:id="br0">
+      <inkml:brushProperty name="width" value="0.2" units="cm"/>
+      <inkml:brushProperty name="height" value="0.4" units="cm"/>
+      <inkml:brushProperty name="color" value="#FFACD5"/>
+      <inkml:brushProperty name="tip" value="rectangle"/>
+      <inkml:brushProperty name="rasterOp" value="maskPen"/>
+    </inkml:brush>
+  </inkml:definitions>
+  <inkml:trace contextRef="#ctx0" brushRef="#br0">2484 4690,'-77'0,"1"0,9 0,-3 0,-4 0,-18-1,-4-1,-4-3,12-2,-3-2,-2-2,0-4,14-1,-1-2,0-2,1-3,1-2,-16-10,1-3,2-4,5-3,9 0,2-4,5-2,5-2,-8-16,8-3,7-3,11 4,8-2,5-3,6-5,8-4,2-2,2-5,4-2,5-1,4 20,4 0,4-2,5 1,7-7,5 0,7 0,7-2,6 6,8-2,5 0,5 0,4 1,-10 16,4 0,2 1,4-1,1 1,3 1,2 0,0 1,4 0,1 1,3 0,1 1,2 0,1 1,1 0,-3 4,2-1,2 1,1 0,1 1,1 1,0 2,0 0,0 3,-1 2,1 1,0 2,1 0,0 2,0 1,0 2,1 0,-1 2,-2 1,1 1,0 2,0 0,0 2,0 1,-1 1,0 2,-1 2,3 0,-1 2,1 1,-2 2,1 2,-2 1,-1 2,-1 2,17 1,-2 2,-2 3,0 3,-2 3,-1 2,-8 3,0 3,-1 2,-2 2,0 3,-2 2,9 6,-1 3,-1 3,-3 4,-2 4,-4 3,-2 5,-2 3,-2 3,-3 2,-4 2,-3 3,-2 1,-3 3,-2 0,8 13,-3 3,-5 1,-4 2,-6-2,-4 1,-4 2,-4-2,-5-5,-3-1,-3 0,-2 0,3 22,-4-1,-6 1,-5 0,-7 0,-10 0,-4-23,-6 0,-5 0,-7 0,-12 8,-7 0,-7-1,-6-2,3-9,-6-1,-5-1,-2-1,-2-2,7-8,-3-1,-2-1,-2-1,0-1,-1-2,-1-1,-1-1,-1-1,-1-2,-1-1,-1-2,0-2,-1-2,-1-2,-1-2,1-1,0-1,-10 2,-1-2,1-3,0-1,0-3,5-3,-1-2,1-2,1-1,2-2,-14 1,1-2,3-2,4-2,-9-1,5-3,6-2,17-2,3-1,9-1,-39-1,60 0</inkml:trace>
+</inkml:ink>
+</file>
+
+<file path=ppt/ink/ink20.xml><?xml version="1.0" encoding="utf-8"?>
+<inkml:ink xmlns:inkml="http://www.w3.org/2003/InkML">
+  <inkml:definitions>
+    <inkml:context xml:id="ctx0">
+      <inkml:inkSource xml:id="inkSrc0">
+        <inkml:traceFormat>
+          <inkml:channel name="X" type="integer" min="-2.14748E9" max="2.14748E9" units="cm"/>
+          <inkml:channel name="Y" type="integer" min="-2.14748E9" max="2.14748E9" units="cm"/>
+        </inkml:traceFormat>
+        <inkml:channelProperties>
+          <inkml:channelProperty channel="X" name="resolution" value="1000" units="1/cm"/>
+          <inkml:channelProperty channel="Y" name="resolution" value="1000" units="1/cm"/>
+        </inkml:channelProperties>
+      </inkml:inkSource>
+      <inkml:timestamp xml:id="ts0" timeString="2024-05-14T07:03:22.360"/>
+    </inkml:context>
+    <inkml:brush xml:id="br0">
+      <inkml:brushProperty name="width" value="0.2" units="cm"/>
+      <inkml:brushProperty name="height" value="0.4" units="cm"/>
+      <inkml:brushProperty name="color" value="#FFFC00"/>
+      <inkml:brushProperty name="tip" value="rectangle"/>
+      <inkml:brushProperty name="rasterOp" value="maskPen"/>
+    </inkml:brush>
+  </inkml:definitions>
+  <inkml:trace contextRef="#ctx0" brushRef="#br0">863 1977,'-78'0,"-4"0,-12 0,-2-2,0-13,7-17,12-20,15-13,10-3,12-4,8-4,9-5,7-2,4 4,4 7,4 13,3 8,1 1,0-10,0-19,3-13,9-4,17 1,-4 46,6 1,8-3,5 1,11-4,4 2,6 1,3 3,2 3,2 2,0 5,1 3,-5 4,1 4,-2 4,2 4,1 6,2 3,3 3,3 4,5 4,1 5,4 8,1 6,2 9,-1 7,-2 10,-3 7,-7 3,-5 4,-9-1,-6 3,-11 0,-7 3,-7-2,-5 2,-5 3,-4 0,-6 3,-2 0,-4 4,-1 0,-3 3,-3 0,-2-3,-5 0,-3-6,-6-2,-3-10,-5-2,-7-4,-4-2,-4-2,-4-2,-1-2,-3-1,-4-2,-1-2,-2-4,-3-5,-2-3,-3-5,-3-3,-3-5,-3-4,-1-3,-1-2,1-2,2-2,1 0,5 0,1 0,6 0,1 0,3 0,1 0,-1 0,0 0,0 1,-1-2,-44-5,17-9,28-6,25-7,15 2,10 11,3 4</inkml:trace>
+</inkml:ink>
+</file>
+
+<file path=ppt/ink/ink21.xml><?xml version="1.0" encoding="utf-8"?>
+<inkml:ink xmlns:inkml="http://www.w3.org/2003/InkML">
+  <inkml:definitions>
+    <inkml:context xml:id="ctx0">
+      <inkml:inkSource xml:id="inkSrc0">
+        <inkml:traceFormat>
+          <inkml:channel name="X" type="integer" min="-2.14748E9" max="2.14748E9" units="cm"/>
+          <inkml:channel name="Y" type="integer" min="-2.14748E9" max="2.14748E9" units="cm"/>
+        </inkml:traceFormat>
+        <inkml:channelProperties>
+          <inkml:channelProperty channel="X" name="resolution" value="1000" units="1/cm"/>
+          <inkml:channelProperty channel="Y" name="resolution" value="1000" units="1/cm"/>
+        </inkml:channelProperties>
+      </inkml:inkSource>
+      <inkml:timestamp xml:id="ts0" timeString="2024-05-14T07:03:25.842"/>
+    </inkml:context>
+    <inkml:brush xml:id="br0">
+      <inkml:brushProperty name="width" value="0.2" units="cm"/>
+      <inkml:brushProperty name="height" value="0.4" units="cm"/>
+      <inkml:brushProperty name="color" value="#FFFC00"/>
+      <inkml:brushProperty name="tip" value="rectangle"/>
+      <inkml:brushProperty name="rasterOp" value="maskPen"/>
+    </inkml:brush>
+  </inkml:definitions>
+  <inkml:trace contextRef="#ctx0" brushRef="#br0">1 1,'82'0,"-30"0,2 0,10 0,4 0,13 0,3 0,3 0,1 0,6 0,0 0,1 0,2 0,-29 0,0 0,2 0,2 0,0 0,1 0,1 0,0 0,0 0,0 0,0 0,-1 0,-1-1,-1 1,0 1,-1-1,0 0,0 1,-1 1,0 1,-1-1,32 3,-1 1,-2 1,-2-1,-4 1,-2-1,-7-2,-3 0,-6-1,-3-1,-8-1,-2-1,-5 1,-2-2,44 1,-7 0,-1 0,0 0,-39 0,1 0,5 0,0 0,4 0,1 0,1 2,0 0,-3 2,-1 0,-4 1,-3-1,36 4,-19-4,-14-1,-13 0,-8 0,-9 3,-11-5,-6 1</inkml:trace>
+</inkml:ink>
+</file>
+
+<file path=ppt/ink/ink22.xml><?xml version="1.0" encoding="utf-8"?>
+<inkml:ink xmlns:inkml="http://www.w3.org/2003/InkML">
+  <inkml:definitions>
+    <inkml:context xml:id="ctx0">
+      <inkml:inkSource xml:id="inkSrc0">
+        <inkml:traceFormat>
+          <inkml:channel name="X" type="integer" min="-2.14748E9" max="2.14748E9" units="cm"/>
+          <inkml:channel name="Y" type="integer" min="-2.14748E9" max="2.14748E9" units="cm"/>
+        </inkml:traceFormat>
+        <inkml:channelProperties>
+          <inkml:channelProperty channel="X" name="resolution" value="1000" units="1/cm"/>
+          <inkml:channelProperty channel="Y" name="resolution" value="1000" units="1/cm"/>
+        </inkml:channelProperties>
+      </inkml:inkSource>
+      <inkml:timestamp xml:id="ts0" timeString="2024-05-14T07:03:54.674"/>
+    </inkml:context>
+    <inkml:brush xml:id="br0">
+      <inkml:brushProperty name="width" value="0.2" units="cm"/>
+      <inkml:brushProperty name="height" value="0.4" units="cm"/>
+      <inkml:brushProperty name="color" value="#FFFC00"/>
+      <inkml:brushProperty name="tip" value="rectangle"/>
+      <inkml:brushProperty name="rasterOp" value="maskPen"/>
+    </inkml:brush>
+  </inkml:definitions>
+  <inkml:trace contextRef="#ctx0" brushRef="#br0">0 0,'80'0,"2"0,-1 0,1 0,-1 4,-1 3,-7 3,-4 4,-9-3,1 0,2-1,3-1,7-1,-3-3,-2 1,-5-2,-4 3,0 0,0-2,-4 2,-6-3,-9 2,-10-1,-11 0,-6 1,-1-1,3 3,7 2,7 6,4 1,6 4,2 2,-3-4,-7-3,-14-10,-9-3</inkml:trace>
+</inkml:ink>
+</file>
+
+<file path=ppt/ink/ink23.xml><?xml version="1.0" encoding="utf-8"?>
+<inkml:ink xmlns:inkml="http://www.w3.org/2003/InkML">
+  <inkml:definitions>
+    <inkml:context xml:id="ctx0">
+      <inkml:inkSource xml:id="inkSrc0">
+        <inkml:traceFormat>
+          <inkml:channel name="X" type="integer" min="-2.14748E9" max="2.14748E9" units="cm"/>
+          <inkml:channel name="Y" type="integer" min="-2.14748E9" max="2.14748E9" units="cm"/>
+        </inkml:traceFormat>
+        <inkml:channelProperties>
+          <inkml:channelProperty channel="X" name="resolution" value="1000" units="1/cm"/>
+          <inkml:channelProperty channel="Y" name="resolution" value="1000" units="1/cm"/>
+        </inkml:channelProperties>
+      </inkml:inkSource>
+      <inkml:timestamp xml:id="ts0" timeString="2024-05-14T07:03:57.557"/>
+    </inkml:context>
+    <inkml:brush xml:id="br0">
+      <inkml:brushProperty name="width" value="0.2" units="cm"/>
+      <inkml:brushProperty name="height" value="0.4" units="cm"/>
+      <inkml:brushProperty name="color" value="#FFFC00"/>
+      <inkml:brushProperty name="tip" value="rectangle"/>
+      <inkml:brushProperty name="rasterOp" value="maskPen"/>
+    </inkml:brush>
+  </inkml:definitions>
+  <inkml:trace contextRef="#ctx0" brushRef="#br0">0 0,'63'0,"33"0,-37 0,3 0,7 0,0 0,-4 0,-2 0,-10 0,-2 0,40 0,-11 0,-5 3,1 5,-5 3,-7 0,-13-4,-17-4,-13-3,-2 0,5 0,5 0,4 0,-9 3,-9-3,-8 3</inkml:trace>
+</inkml:ink>
+</file>
+
+<file path=ppt/ink/ink3.xml><?xml version="1.0" encoding="utf-8"?>
+<inkml:ink xmlns:inkml="http://www.w3.org/2003/InkML">
+  <inkml:definitions>
+    <inkml:context xml:id="ctx0">
+      <inkml:inkSource xml:id="inkSrc0">
+        <inkml:traceFormat>
+          <inkml:channel name="X" type="integer" min="-2.14748E9" max="2.14748E9" units="cm"/>
+          <inkml:channel name="Y" type="integer" min="-2.14748E9" max="2.14748E9" units="cm"/>
+        </inkml:traceFormat>
+        <inkml:channelProperties>
+          <inkml:channelProperty channel="X" name="resolution" value="1000" units="1/cm"/>
+          <inkml:channelProperty channel="Y" name="resolution" value="1000" units="1/cm"/>
+        </inkml:channelProperties>
+      </inkml:inkSource>
+      <inkml:timestamp xml:id="ts0" timeString="2024-05-14T07:01:46.433"/>
+    </inkml:context>
+    <inkml:brush xml:id="br0">
+      <inkml:brushProperty name="width" value="0.2" units="cm"/>
+      <inkml:brushProperty name="height" value="0.4" units="cm"/>
+      <inkml:brushProperty name="color" value="#FFACD5"/>
+      <inkml:brushProperty name="tip" value="rectangle"/>
+      <inkml:brushProperty name="rasterOp" value="maskPen"/>
+    </inkml:brush>
+  </inkml:definitions>
+  <inkml:trace contextRef="#ctx0" brushRef="#br0">3554 3901,'-99'0,"17"0,-12 0,4 0,-7 0,-7 0,27 0,-4 0,-2 0,-2 0,-2 0,6 0,-2 1,-1-1,-1 0,0-1,0 0,-1-1,0-1,-1 0,1-1,1-1,1-1,-11-2,2-1,1-1,2-3,2-3,-10-6,3-3,3-4,5-3,-6-11,7-5,6-4,15 2,6-4,4-2,9 3,4-1,5-2,-3-20,8-3,4 1,6-2,4 0,6-1,1-10,10-4,9 24,8-3,7-1,6 7,6-1,7-1,5 0,3 3,6 0,6-1,3 1,5 0,-10 13,4-1,2 1,3 1,3-1,3 1,3 0,-4 5,4-1,3 1,2-1,2 1,1 1,2 0,0 1,1 1,-3 3,2-1,1 1,2 0,0 2,1 0,1 0,1 2,-1 1,2 1,-7 4,2 0,0 1,1 0,1 2,0 0,0 2,0 0,0 1,0 1,-1 1,7-1,0 1,1 1,0 0,0 2,-1 1,0 2,-2 2,-1 1,-1 3,7 0,0 2,-2 2,-1 2,-1 2,-1 3,-2 3,-1 4,3 2,0 4,-2 2,-1 3,-3 4,-2 4,-3 4,2 6,-2 5,-4 5,-2 3,-5 4,-3 4,-7 2,-3 5,-4 3,-4 3,-3 2,-4 2,-3 2,-4 3,-4 2,-3 2,-3 0,-2 0,-4-1,-2 1,-3 1,-4 0,-3 0,-3 0,-3 13,-5 1,-4 0,-6-1,-5-1,-5 0,-6-1,-4-1,-6-1,-6-4,3-16,-4 0,-4-3,-4-1,-2-3,-4-3,-7 0,-4-3,-4-2,-2-3,-3-2,0-2,-5-2,-2-3,-3-2,-1-2,-1-3,0-3,-2-2,-2-3,-1-2,0-2,1-2,-1-2,5-2,-1-1,0-2,1-2,0-1,2 0,-10 0,0-2,2-2,1 0,2-1,9-2,1 0,1-2,3 0,2 1,-30 2,5-1,10-1,1-2,12 0,-15 4</inkml:trace>
+</inkml:ink>
+</file>
+
+<file path=ppt/ink/ink4.xml><?xml version="1.0" encoding="utf-8"?>
+<inkml:ink xmlns:inkml="http://www.w3.org/2003/InkML">
+  <inkml:definitions>
+    <inkml:context xml:id="ctx0">
+      <inkml:inkSource xml:id="inkSrc0">
+        <inkml:traceFormat>
+          <inkml:channel name="X" type="integer" min="-2.14748E9" max="2.14748E9" units="cm"/>
+          <inkml:channel name="Y" type="integer" min="-2.14748E9" max="2.14748E9" units="cm"/>
+        </inkml:traceFormat>
+        <inkml:channelProperties>
+          <inkml:channelProperty channel="X" name="resolution" value="1000" units="1/cm"/>
+          <inkml:channelProperty channel="Y" name="resolution" value="1000" units="1/cm"/>
+        </inkml:channelProperties>
+      </inkml:inkSource>
+      <inkml:timestamp xml:id="ts0" timeString="2024-05-14T07:01:47.800"/>
+    </inkml:context>
+    <inkml:brush xml:id="br0">
+      <inkml:brushProperty name="width" value="0.2" units="cm"/>
+      <inkml:brushProperty name="height" value="0.4" units="cm"/>
+      <inkml:brushProperty name="color" value="#FFACD5"/>
+      <inkml:brushProperty name="tip" value="rectangle"/>
+      <inkml:brushProperty name="rasterOp" value="maskPen"/>
+    </inkml:brush>
+  </inkml:definitions>
+  <inkml:trace contextRef="#ctx0" brushRef="#br0">2829 3638,'-77'0,"0"0,11 1,-4 0,-4-3,2-2,-4-2,-3-2,0-4,-13-4,-2-4,-1-4,-1-3,13 0,-1-3,0-3,0-2,0-3,-1-4,-1-4,1-2,2-2,3 1,6 1,2 0,2-1,2-1,2 1,-7-7,2 0,4 0,5 0,-4-9,6 0,8 0,0-19,12-2,7-3,16-4,19 27,10-1,11 0,19-11,16-1,12 1,-17 28,8-1,4 1,6 0,3 0,3 0,-2 4,5 0,3 1,4-1,1 1,3 0,0 1,1 1,-10 4,2 1,1 0,1 1,1 0,1 0,1 1,1 0,1 2,0 0,-3 1,2 1,1 1,1 0,1 1,0 0,0 1,1 1,-1 1,1 1,-1 1,0 1,0 1,0 1,1 0,0 2,-1 0,1 2,0 0,-1 1,0 1,0 2,5-1,0 1,0 1,0 1,-1 1,1 1,-1 1,0 2,0 1,-1 1,-2 2,-1 0,1 2,0 1,-1 1,0 1,-1 1,-1 2,-1 0,-2 2,12 3,-2 1,0 2,-2 1,-1 2,-1 1,-3 2,-1 0,2 2,-3 2,0 1,-3 2,-1 0,-3 2,-2 2,2 2,-3 2,-2 2,-2 0,-3 1,-2-1,16 11,-3 0,-4 0,-4 1,9 10,-5 0,-7 3,-15-5,-5 2,-6 2,5 24,-13 4,-18-24,-5 2,-6 1,-5 2,-7 2,-8 0,-14 11,-10 0,-10 1,-2-11,-8 0,-5 1,-7 0,10-15,-5 0,-3 1,-4-1,-2 1,-1 0,0-1,-2 1,-3 0,-2 0,-1 0,-2-1,-1-1,5-3,-1-1,-2 0,-1 0,-1-1,-1-1,-2-1,0-1,4-3,0-2,-2 1,0-2,-2 0,0-2,-1-1,0-1,-1-2,-2 0,-1-3,0 0,-2-2,0-1,0-1,-1-2,0-1,-1-1,7-4,0-1,-1-1,0-2,0 0,-1-2,0 0,0-1,0-1,0-1,-1 0,0-2,0 0,-1-1,0-2,1 1,0-2,0 0,1-1,1 0,-4 0,1-1,0-1,0 0,1-1,1 0,0-1,2 0,0 0,-14 0,0-1,1 0,2-1,1 0,2 0,2-1,-1 1,2-1,2-1,2 1,3-1,3 0,-19-1,4 0,4-1,4 0,-9-2,5 0,8-1,-3-2,12-1,-9-9,49 1,24 7,12 1</inkml:trace>
+</inkml:ink>
+</file>
+
+<file path=ppt/ink/ink5.xml><?xml version="1.0" encoding="utf-8"?>
+<inkml:ink xmlns:inkml="http://www.w3.org/2003/InkML">
+  <inkml:definitions>
+    <inkml:context xml:id="ctx0">
+      <inkml:inkSource xml:id="inkSrc0">
+        <inkml:traceFormat>
+          <inkml:channel name="X" type="integer" min="-2.14748E9" max="2.14748E9" units="cm"/>
+          <inkml:channel name="Y" type="integer" min="-2.14748E9" max="2.14748E9" units="cm"/>
+        </inkml:traceFormat>
+        <inkml:channelProperties>
+          <inkml:channelProperty channel="X" name="resolution" value="1000" units="1/cm"/>
+          <inkml:channelProperty channel="Y" name="resolution" value="1000" units="1/cm"/>
+        </inkml:channelProperties>
+      </inkml:inkSource>
+      <inkml:timestamp xml:id="ts0" timeString="2024-05-14T07:01:50.482"/>
+    </inkml:context>
+    <inkml:brush xml:id="br0">
+      <inkml:brushProperty name="width" value="0.2" units="cm"/>
+      <inkml:brushProperty name="height" value="0.4" units="cm"/>
+      <inkml:brushProperty name="color" value="#FFACD5"/>
+      <inkml:brushProperty name="tip" value="rectangle"/>
+      <inkml:brushProperty name="rasterOp" value="maskPen"/>
+    </inkml:brush>
+  </inkml:definitions>
+  <inkml:trace contextRef="#ctx0" brushRef="#br0">1 1,'63'0,"1"0,20 0,8 0,-9 0,6 0,1 0,5 0,2 0,0 0,1 0,0 0,-1 0,-5 0,0 0,-4 0,-10 0,-4 0,-2 0,21 0,-9 0,-24 0,-8 0,8 0,-35 0,-15 0</inkml:trace>
+</inkml:ink>
+</file>
+
+<file path=ppt/ink/ink6.xml><?xml version="1.0" encoding="utf-8"?>
+<inkml:ink xmlns:inkml="http://www.w3.org/2003/InkML">
+  <inkml:definitions>
+    <inkml:context xml:id="ctx0">
+      <inkml:inkSource xml:id="inkSrc0">
+        <inkml:traceFormat>
+          <inkml:channel name="X" type="integer" min="-2.14748E9" max="2.14748E9" units="cm"/>
+          <inkml:channel name="Y" type="integer" min="-2.14748E9" max="2.14748E9" units="cm"/>
+        </inkml:traceFormat>
+        <inkml:channelProperties>
+          <inkml:channelProperty channel="X" name="resolution" value="1000" units="1/cm"/>
+          <inkml:channelProperty channel="Y" name="resolution" value="1000" units="1/cm"/>
+        </inkml:channelProperties>
+      </inkml:inkSource>
+      <inkml:timestamp xml:id="ts0" timeString="2024-05-14T07:01:51.916"/>
+    </inkml:context>
+    <inkml:brush xml:id="br0">
+      <inkml:brushProperty name="width" value="0.2" units="cm"/>
+      <inkml:brushProperty name="height" value="0.4" units="cm"/>
+      <inkml:brushProperty name="color" value="#FFACD5"/>
+      <inkml:brushProperty name="tip" value="rectangle"/>
+      <inkml:brushProperty name="rasterOp" value="maskPen"/>
+    </inkml:brush>
+  </inkml:definitions>
+  <inkml:trace contextRef="#ctx0" brushRef="#br0">0 1,'82'0,"-24"0,5 0,26 0,7 0,-26 0,2 0,1 0,3 0,2 0,-1 0,0 0,-1 0,-1 0,-7 0,-1 0,-2 0,22 0,-6 0,-21 0,-5 0,16 0,-32 0,-17 0,-11 0,-2 0,8 0,17 0,19 0,17 0,2 0,-15 0,-14 0,-25 0,-7 0</inkml:trace>
+</inkml:ink>
+</file>
+
+<file path=ppt/ink/ink7.xml><?xml version="1.0" encoding="utf-8"?>
+<inkml:ink xmlns:inkml="http://www.w3.org/2003/InkML">
+  <inkml:definitions>
+    <inkml:context xml:id="ctx0">
+      <inkml:inkSource xml:id="inkSrc0">
+        <inkml:traceFormat>
+          <inkml:channel name="X" type="integer" min="-2.14748E9" max="2.14748E9" units="cm"/>
+          <inkml:channel name="Y" type="integer" min="-2.14748E9" max="2.14748E9" units="cm"/>
+        </inkml:traceFormat>
+        <inkml:channelProperties>
+          <inkml:channelProperty channel="X" name="resolution" value="1000" units="1/cm"/>
+          <inkml:channelProperty channel="Y" name="resolution" value="1000" units="1/cm"/>
+        </inkml:channelProperties>
+      </inkml:inkSource>
+      <inkml:timestamp xml:id="ts0" timeString="2024-05-14T07:01:55.265"/>
+    </inkml:context>
+    <inkml:brush xml:id="br0">
+      <inkml:brushProperty name="width" value="0.2" units="cm"/>
+      <inkml:brushProperty name="height" value="0.4" units="cm"/>
+      <inkml:brushProperty name="color" value="#FFACD5"/>
+      <inkml:brushProperty name="tip" value="rectangle"/>
+      <inkml:brushProperty name="rasterOp" value="maskPen"/>
+    </inkml:brush>
+  </inkml:definitions>
+  <inkml:trace contextRef="#ctx0" brushRef="#br0">1 740,'61'0,"0"0,1 0,6 0,5 0,6 0,7 0,4 0,4 0,-1 0,4 0,4 0,2 0,2 0,-20 0,1 0,3 0,0 0,2 0,0 0,1 0,-4 0,1 0,1 0,1 0,0 0,1 0,0 0,-1 0,4 0,-1 0,1 0,1 0,-1 0,1 0,-1 0,1 0,0 0,1 0,-1 0,1 0,0 0,-1 0,1 0,-1 0,1 0,-1 0,1 0,-1 0,0 0,1 0,-2 0,1 0,-3 0,1 0,-1 0,0 0,-1 0,1 0,-1 0,-1 0,10-1,0 0,0 0,-1 0,-1 0,0 0,-1 0,-5 1,-1-1,0 1,0-1,-2 1,0 0,-1 0,7 1,0-1,-2 1,0 0,-1 0,-1 1,-4-1,-1 0,-1 0,-1 1,0-1,-1 1,10 1,-1 0,-1 0,-1 0,0-1,-4 0,1-1,-1 0,-1 0,0 0,14-1,0 0,-1 0,0 0,-1 0,-1 0,0 0,0 0,0-1,0 0,-1-1,0 0,-2 0,-1-1,0 0,0-1,-4 0,1-1,-2 0,0 0,-4 0,-1 0,-1-1,1 1,2 0,1 1,0-1,0 0,0 1,0-1,0 1,2 0,5 0,1 1,1-1,0 0,4 0,0 0,1 0,0 0,-18 1,0 1,0 0,0 0,1 0,2 0,1 1,0 0,0-1,0 1,-1 0,0 1,0-1,0 0,-1 1,0 0,0 0,-1 0,0 0,1 0,-3 0,1 0,-1 0,1 0,0 0,0 0,1 0,-1 0,1 0,-1 0,-1 0,-1 0,1 0,-1 0,0 0,17 0,-1 0,0 0,-1 0,-3 0,0 0,-2 0,-1 0,-6 0,-1 0,-1 0,-1 0,-3 0,0 0,-2 0,0 0,20-1,-2-1,-1 0,-8-1,-1 0,-2-2,-4 0,-3-2,-1-1,23-6,-4-1,-10 0,-3 0,-7 0,-2-1,-7 3,0 0,-1 1,0 0,-3-1,0 0,0 0,0-2,2 0,0-1,-3-1,-2 0,-3 1,-3 2,31-10,-24 8,-19 5,-7 1,7-1,10-3,7-2,-6 4,-14 1,-11 4,-8 4,-1-1,4 1,2-1,-2-2,-4-1,-7 0,-4-2,-2-3,3-9,8-17,-6 17,4-5</inkml:trace>
+</inkml:ink>
+</file>
+
+<file path=ppt/ink/ink8.xml><?xml version="1.0" encoding="utf-8"?>
+<inkml:ink xmlns:inkml="http://www.w3.org/2003/InkML">
+  <inkml:definitions>
+    <inkml:context xml:id="ctx0">
+      <inkml:inkSource xml:id="inkSrc0">
+        <inkml:traceFormat>
+          <inkml:channel name="X" type="integer" min="-2.14748E9" max="2.14748E9" units="cm"/>
+          <inkml:channel name="Y" type="integer" min="-2.14748E9" max="2.14748E9" units="cm"/>
+        </inkml:traceFormat>
+        <inkml:channelProperties>
+          <inkml:channelProperty channel="X" name="resolution" value="1000" units="1/cm"/>
+          <inkml:channelProperty channel="Y" name="resolution" value="1000" units="1/cm"/>
+        </inkml:channelProperties>
+      </inkml:inkSource>
+      <inkml:timestamp xml:id="ts0" timeString="2024-05-14T07:02:38.812"/>
+    </inkml:context>
+    <inkml:brush xml:id="br0">
+      <inkml:brushProperty name="width" value="0.2" units="cm"/>
+      <inkml:brushProperty name="height" value="0.4" units="cm"/>
+      <inkml:brushProperty name="color" value="#FFACD5"/>
+      <inkml:brushProperty name="tip" value="rectangle"/>
+      <inkml:brushProperty name="rasterOp" value="maskPen"/>
+    </inkml:brush>
+  </inkml:definitions>
+  <inkml:trace contextRef="#ctx0" brushRef="#br0">0 117,'66'0,"-1"0,1 0,8 0,5 0,2 0,6 0,4 0,2 0,-4 0,3 0,2 0,2 0,0 0,-10 0,1 0,2 0,-1 0,1 0,0 0,0 0,1 0,0 0,-1 0,1 0,-1 0,0 0,-1 0,0 0,0 0,0 0,-1 0,-1 0,0 0,0 0,-1 0,0 0,-1 0,13 0,0 0,-1 0,-1 0,-1 0,-4 0,0 0,-2 0,0 0,-2 0,13 0,-1 1,-2-1,-2-1,-9 1,-1-1,-2-1,-2 0,17 0,-3-2,-3 0,-9-1,-3 0,-2-1,24-3,-4 0,-12 1,-3 1,-8 1,-2-1,-7 3,-2-1,-5 1,-2-1,-4 1,-2 0,41 0,-12 0,-9 3,-10 1,-10 0,-9 0,-9 0,-11 0,-7 0,-6-2,-1-1</inkml:trace>
+</inkml:ink>
+</file>
+
+<file path=ppt/ink/ink9.xml><?xml version="1.0" encoding="utf-8"?>
+<inkml:ink xmlns:inkml="http://www.w3.org/2003/InkML">
+  <inkml:definitions>
+    <inkml:context xml:id="ctx0">
+      <inkml:inkSource xml:id="inkSrc0">
+        <inkml:traceFormat>
+          <inkml:channel name="X" type="integer" min="-2.14748E9" max="2.14748E9" units="cm"/>
+          <inkml:channel name="Y" type="integer" min="-2.14748E9" max="2.14748E9" units="cm"/>
+        </inkml:traceFormat>
+        <inkml:channelProperties>
+          <inkml:channelProperty channel="X" name="resolution" value="1000" units="1/cm"/>
+          <inkml:channelProperty channel="Y" name="resolution" value="1000" units="1/cm"/>
+        </inkml:channelProperties>
+      </inkml:inkSource>
+      <inkml:timestamp xml:id="ts0" timeString="2024-05-14T07:02:43.446"/>
+    </inkml:context>
+    <inkml:brush xml:id="br0">
+      <inkml:brushProperty name="width" value="0.2" units="cm"/>
+      <inkml:brushProperty name="height" value="0.4" units="cm"/>
+      <inkml:brushProperty name="color" value="#FFACD5"/>
+      <inkml:brushProperty name="tip" value="rectangle"/>
+      <inkml:brushProperty name="rasterOp" value="maskPen"/>
+    </inkml:brush>
+  </inkml:definitions>
+  <inkml:trace contextRef="#ctx0" brushRef="#br0">1 1,'84'0,"-28"0,5 0,26 0,8 0,-15 0,5 0,2 0,-13 0,2 0,2 0,0 0,3 0,2 0,0 0,0 0,-2 0,1 0,-2 0,1 0,-2 0,0 0,0 0,-1 0,-1 0,-2 0,1 0,-1 0,1 0,-1 0,0 0,0 0,25 2,0 0,-1 2,-5 1,0 2,-2 0,-1 1,-2 0,0 2,1 1,0 2,-1-1,-3 1,-1 0,1-1,0 0,1-1,-1 0,-1 2,0 0,-1-1,-3 0,0-1,-2 0,-3-1,-2-1,-1 0,-4 0,-3 0,0-1,25 2,-2 0,-5-1,-1 0,-2 1,1-1,-1 1,1-1,0 1,0 0,1-1,1 1,1 2,1-1,2 2,2-2,5-1,1 0,-3-1,0-1,-1-3,-2-1,-8-1,-2-1,-5 1,-1-2,0 0,-1-2,-4 1,-1 0,1 0,-1 0,-6 0,-1 0,-6 0,-1 0,-2 0,-2 0,47-3,2-5,-50 1,2-2,1-1,1-1,1 1,-1-1,-1 0,-2 2,40-4,-21 5,-18 2,-17 3,-13-1,-8 2,1 2,12-2,11-2,5-3,-2 0,-11 2,-12 0,-7 1,-6-4,-4-7,-3-6,3 9,-3-1</inkml:trace>
+</inkml:ink>
+</file>
+
 <file path=ppt/notesMasters/notesMaster1.xml><?xml version="1.0" encoding="utf-8"?>
 <p:notesMaster xmlns:a="http://schemas.openxmlformats.org/drawingml/2006/main" xmlns:r="http://schemas.openxmlformats.org/officeDocument/2006/relationships" xmlns:p="http://schemas.openxmlformats.org/presentationml/2006/main">
   <p:cSld>
@@ -1949,7 +2593,7 @@
           </a:ln>
           <a:extLst>
             <a:ext uri="{C572A759-6A51-4108-AA02-DFA0A04FC94B}">
-              <ma14:wrappingTextBoxFlag xmlns="" xmlns:m="http://schemas.openxmlformats.org/officeDocument/2006/math" xmlns:a14="http://schemas.microsoft.com/office/drawing/2010/main" xmlns:ma14="http://schemas.microsoft.com/office/mac/drawingml/2011/main" val="1"/>
+              <ma14:wrappingTextBoxFlag xmlns:ma14="http://schemas.microsoft.com/office/mac/drawingml/2011/main" xmlns:a14="http://schemas.microsoft.com/office/drawing/2010/main" xmlns:m="http://schemas.openxmlformats.org/officeDocument/2006/math" xmlns="" val="1"/>
             </a:ext>
           </a:extLst>
         </p:spPr>
@@ -2035,7 +2679,7 @@
           </a:ln>
           <a:extLst>
             <a:ext uri="{C572A759-6A51-4108-AA02-DFA0A04FC94B}">
-              <ma14:wrappingTextBoxFlag xmlns="" xmlns:m="http://schemas.openxmlformats.org/officeDocument/2006/math" xmlns:a14="http://schemas.microsoft.com/office/drawing/2010/main" xmlns:ma14="http://schemas.microsoft.com/office/mac/drawingml/2011/main" val="1"/>
+              <ma14:wrappingTextBoxFlag xmlns:ma14="http://schemas.microsoft.com/office/mac/drawingml/2011/main" xmlns:a14="http://schemas.microsoft.com/office/drawing/2010/main" xmlns:m="http://schemas.openxmlformats.org/officeDocument/2006/math" xmlns="" val="1"/>
             </a:ext>
           </a:extLst>
         </p:spPr>
@@ -3025,7 +3669,15 @@
             </a:r>
             <a:r>
               <a:rPr lang="ja-JP" altLang="en-US" u="sng"/>
-              <a:t>投資 　</a:t>
+              <a:t>投資 （</a:t>
+            </a:r>
+            <a:r>
+              <a:rPr lang="en-US" altLang="ja-JP" u="sng" dirty="0"/>
+              <a:t>horizontal FDI</a:t>
+            </a:r>
+            <a:r>
+              <a:rPr lang="ja-JP" altLang="en-US" u="sng"/>
+              <a:t>）　</a:t>
             </a:r>
             <a:endParaRPr lang="en-US" altLang="ja-JP" u="sng" dirty="0"/>
           </a:p>
@@ -7432,26 +8084,50 @@
           <a:p>
             <a:pPr lvl="1"/>
             <a:r>
-              <a:rPr lang="zh-CN" altLang="en-US" dirty="0"/>
+              <a:rPr lang="zh-CN" altLang="en-US" dirty="0">
+                <a:highlight>
+                  <a:srgbClr val="FFFF00"/>
+                </a:highlight>
+              </a:rPr>
               <a:t>業務</a:t>
             </a:r>
             <a:r>
-              <a:rPr lang="ja-JP" altLang="en-US"/>
+              <a:rPr lang="ja-JP" altLang="en-US">
+                <a:highlight>
+                  <a:srgbClr val="FFFF00"/>
+                </a:highlight>
+              </a:rPr>
               <a:t>の</a:t>
             </a:r>
             <a:r>
-              <a:rPr lang="zh-CN" altLang="en-US" dirty="0"/>
+              <a:rPr lang="zh-CN" altLang="en-US" dirty="0">
+                <a:highlight>
+                  <a:srgbClr val="FFFF00"/>
+                </a:highlight>
+              </a:rPr>
               <a:t>貿易</a:t>
             </a:r>
             <a:r>
-              <a:rPr lang="en-US" altLang="zh-CN" dirty="0"/>
+              <a:rPr lang="en-US" altLang="zh-CN" dirty="0">
+                <a:highlight>
+                  <a:srgbClr val="FFFF00"/>
+                </a:highlight>
+              </a:rPr>
               <a:t>(</a:t>
             </a:r>
             <a:r>
-              <a:rPr lang="en-US" dirty="0"/>
+              <a:rPr lang="en-US" dirty="0">
+                <a:highlight>
+                  <a:srgbClr val="FFFF00"/>
+                </a:highlight>
+              </a:rPr>
               <a:t>trade in tasks)</a:t>
             </a:r>
-            <a:endParaRPr lang="en-US" altLang="ja-JP" dirty="0"/>
+            <a:endParaRPr lang="en-US" altLang="ja-JP" dirty="0">
+              <a:highlight>
+                <a:srgbClr val="FFFF00"/>
+              </a:highlight>
+            </a:endParaRPr>
           </a:p>
         </p:txBody>
       </p:sp>
@@ -7543,7 +8219,7 @@
         </p:blipFill>
         <p:spPr>
           <a:xfrm>
-            <a:off x="2225040" y="288644"/>
+            <a:off x="2208106" y="481230"/>
             <a:ext cx="11657505" cy="7906508"/>
           </a:xfrm>
           <a:prstGeom prst="rect">
@@ -7809,6 +8485,363 @@
           </a:p>
         </p:txBody>
       </p:sp>
+      <mc:AlternateContent xmlns:mc="http://schemas.openxmlformats.org/markup-compatibility/2006">
+        <mc:Choice xmlns:p14="http://schemas.microsoft.com/office/powerpoint/2010/main" Requires="p14">
+          <p:contentPart p14:bwMode="auto" r:id="rId3">
+            <p14:nvContentPartPr>
+              <p14:cNvPr id="3" name="Ink 2">
+                <a:extLst>
+                  <a:ext uri="{FF2B5EF4-FFF2-40B4-BE49-F238E27FC236}">
+                    <a16:creationId xmlns:a16="http://schemas.microsoft.com/office/drawing/2014/main" id="{E5014F8F-DE2F-4E6C-82B6-9A4C734C2572}"/>
+                  </a:ext>
+                </a:extLst>
+              </p14:cNvPr>
+              <p14:cNvContentPartPr/>
+              <p14:nvPr/>
+            </p14:nvContentPartPr>
+            <p14:xfrm>
+              <a:off x="7231320" y="1291373"/>
+              <a:ext cx="2125800" cy="1415880"/>
+            </p14:xfrm>
+          </p:contentPart>
+        </mc:Choice>
+        <mc:Fallback>
+          <p:pic>
+            <p:nvPicPr>
+              <p:cNvPr id="3" name="Ink 2">
+                <a:extLst>
+                  <a:ext uri="{FF2B5EF4-FFF2-40B4-BE49-F238E27FC236}">
+                    <a16:creationId xmlns:a16="http://schemas.microsoft.com/office/drawing/2014/main" id="{E5014F8F-DE2F-4E6C-82B6-9A4C734C2572}"/>
+                  </a:ext>
+                </a:extLst>
+              </p:cNvPr>
+              <p:cNvPicPr/>
+              <p:nvPr/>
+            </p:nvPicPr>
+            <p:blipFill>
+              <a:blip r:embed="rId4"/>
+              <a:stretch>
+                <a:fillRect/>
+              </a:stretch>
+            </p:blipFill>
+            <p:spPr>
+              <a:xfrm>
+                <a:off x="7195320" y="1219373"/>
+                <a:ext cx="2197440" cy="1559520"/>
+              </a:xfrm>
+              <a:prstGeom prst="rect">
+                <a:avLst/>
+              </a:prstGeom>
+            </p:spPr>
+          </p:pic>
+        </mc:Fallback>
+      </mc:AlternateContent>
+      <mc:AlternateContent xmlns:mc="http://schemas.openxmlformats.org/markup-compatibility/2006">
+        <mc:Choice xmlns:p14="http://schemas.microsoft.com/office/powerpoint/2010/main" Requires="p14">
+          <p:contentPart p14:bwMode="auto" r:id="rId5">
+            <p14:nvContentPartPr>
+              <p14:cNvPr id="4" name="Ink 3">
+                <a:extLst>
+                  <a:ext uri="{FF2B5EF4-FFF2-40B4-BE49-F238E27FC236}">
+                    <a16:creationId xmlns:a16="http://schemas.microsoft.com/office/drawing/2014/main" id="{9B70CC32-BF69-C5E3-D522-9EFF24487CA1}"/>
+                  </a:ext>
+                </a:extLst>
+              </p14:cNvPr>
+              <p14:cNvContentPartPr/>
+              <p14:nvPr/>
+            </p14:nvContentPartPr>
+            <p14:xfrm>
+              <a:off x="3464640" y="4057973"/>
+              <a:ext cx="2588040" cy="1688760"/>
+            </p14:xfrm>
+          </p:contentPart>
+        </mc:Choice>
+        <mc:Fallback>
+          <p:pic>
+            <p:nvPicPr>
+              <p:cNvPr id="4" name="Ink 3">
+                <a:extLst>
+                  <a:ext uri="{FF2B5EF4-FFF2-40B4-BE49-F238E27FC236}">
+                    <a16:creationId xmlns:a16="http://schemas.microsoft.com/office/drawing/2014/main" id="{9B70CC32-BF69-C5E3-D522-9EFF24487CA1}"/>
+                  </a:ext>
+                </a:extLst>
+              </p:cNvPr>
+              <p:cNvPicPr/>
+              <p:nvPr/>
+            </p:nvPicPr>
+            <p:blipFill>
+              <a:blip r:embed="rId6"/>
+              <a:stretch>
+                <a:fillRect/>
+              </a:stretch>
+            </p:blipFill>
+            <p:spPr>
+              <a:xfrm>
+                <a:off x="3428640" y="3985973"/>
+                <a:ext cx="2659680" cy="1832400"/>
+              </a:xfrm>
+              <a:prstGeom prst="rect">
+                <a:avLst/>
+              </a:prstGeom>
+            </p:spPr>
+          </p:pic>
+        </mc:Fallback>
+      </mc:AlternateContent>
+      <mc:AlternateContent xmlns:mc="http://schemas.openxmlformats.org/markup-compatibility/2006">
+        <mc:Choice xmlns:p14="http://schemas.microsoft.com/office/powerpoint/2010/main" Requires="p14">
+          <p:contentPart p14:bwMode="auto" r:id="rId7">
+            <p14:nvContentPartPr>
+              <p14:cNvPr id="5" name="Ink 4">
+                <a:extLst>
+                  <a:ext uri="{FF2B5EF4-FFF2-40B4-BE49-F238E27FC236}">
+                    <a16:creationId xmlns:a16="http://schemas.microsoft.com/office/drawing/2014/main" id="{D366B2BC-D347-37A1-3378-F32D5EF4C35C}"/>
+                  </a:ext>
+                </a:extLst>
+              </p14:cNvPr>
+              <p14:cNvContentPartPr/>
+              <p14:nvPr/>
+            </p14:nvContentPartPr>
+            <p14:xfrm>
+              <a:off x="7372440" y="4400693"/>
+              <a:ext cx="2578680" cy="1477080"/>
+            </p14:xfrm>
+          </p:contentPart>
+        </mc:Choice>
+        <mc:Fallback>
+          <p:pic>
+            <p:nvPicPr>
+              <p:cNvPr id="5" name="Ink 4">
+                <a:extLst>
+                  <a:ext uri="{FF2B5EF4-FFF2-40B4-BE49-F238E27FC236}">
+                    <a16:creationId xmlns:a16="http://schemas.microsoft.com/office/drawing/2014/main" id="{D366B2BC-D347-37A1-3378-F32D5EF4C35C}"/>
+                  </a:ext>
+                </a:extLst>
+              </p:cNvPr>
+              <p:cNvPicPr/>
+              <p:nvPr/>
+            </p:nvPicPr>
+            <p:blipFill>
+              <a:blip r:embed="rId8"/>
+              <a:stretch>
+                <a:fillRect/>
+              </a:stretch>
+            </p:blipFill>
+            <p:spPr>
+              <a:xfrm>
+                <a:off x="7336800" y="4328693"/>
+                <a:ext cx="2650320" cy="1620720"/>
+              </a:xfrm>
+              <a:prstGeom prst="rect">
+                <a:avLst/>
+              </a:prstGeom>
+            </p:spPr>
+          </p:pic>
+        </mc:Fallback>
+      </mc:AlternateContent>
+      <mc:AlternateContent xmlns:mc="http://schemas.openxmlformats.org/markup-compatibility/2006">
+        <mc:Choice xmlns:p14="http://schemas.microsoft.com/office/powerpoint/2010/main" Requires="p14">
+          <p:contentPart p14:bwMode="auto" r:id="rId9">
+            <p14:nvContentPartPr>
+              <p14:cNvPr id="7" name="Ink 6">
+                <a:extLst>
+                  <a:ext uri="{FF2B5EF4-FFF2-40B4-BE49-F238E27FC236}">
+                    <a16:creationId xmlns:a16="http://schemas.microsoft.com/office/drawing/2014/main" id="{E71882C3-6419-7ECA-9ECB-4B920A4EC9DD}"/>
+                  </a:ext>
+                </a:extLst>
+              </p14:cNvPr>
+              <p14:cNvContentPartPr/>
+              <p14:nvPr/>
+            </p14:nvContentPartPr>
+            <p14:xfrm>
+              <a:off x="10618560" y="4430573"/>
+              <a:ext cx="3159360" cy="1554120"/>
+            </p14:xfrm>
+          </p:contentPart>
+        </mc:Choice>
+        <mc:Fallback>
+          <p:pic>
+            <p:nvPicPr>
+              <p:cNvPr id="7" name="Ink 6">
+                <a:extLst>
+                  <a:ext uri="{FF2B5EF4-FFF2-40B4-BE49-F238E27FC236}">
+                    <a16:creationId xmlns:a16="http://schemas.microsoft.com/office/drawing/2014/main" id="{E71882C3-6419-7ECA-9ECB-4B920A4EC9DD}"/>
+                  </a:ext>
+                </a:extLst>
+              </p:cNvPr>
+              <p:cNvPicPr/>
+              <p:nvPr/>
+            </p:nvPicPr>
+            <p:blipFill>
+              <a:blip r:embed="rId10"/>
+              <a:stretch>
+                <a:fillRect/>
+              </a:stretch>
+            </p:blipFill>
+            <p:spPr>
+              <a:xfrm>
+                <a:off x="10582920" y="4358933"/>
+                <a:ext cx="3231000" cy="1697760"/>
+              </a:xfrm>
+              <a:prstGeom prst="rect">
+                <a:avLst/>
+              </a:prstGeom>
+            </p:spPr>
+          </p:pic>
+        </mc:Fallback>
+      </mc:AlternateContent>
+      <mc:AlternateContent xmlns:mc="http://schemas.openxmlformats.org/markup-compatibility/2006">
+        <mc:Choice xmlns:p14="http://schemas.microsoft.com/office/powerpoint/2010/main" Requires="p14">
+          <p:contentPart p14:bwMode="auto" r:id="rId11">
+            <p14:nvContentPartPr>
+              <p14:cNvPr id="9" name="Ink 8">
+                <a:extLst>
+                  <a:ext uri="{FF2B5EF4-FFF2-40B4-BE49-F238E27FC236}">
+                    <a16:creationId xmlns:a16="http://schemas.microsoft.com/office/drawing/2014/main" id="{4C97F9D1-050F-8A3A-96EF-407BF833FE80}"/>
+                  </a:ext>
+                </a:extLst>
+              </p14:cNvPr>
+              <p14:cNvContentPartPr/>
+              <p14:nvPr/>
+            </p14:nvContentPartPr>
+            <p14:xfrm>
+              <a:off x="2977920" y="7352693"/>
+              <a:ext cx="730440" cy="360"/>
+            </p14:xfrm>
+          </p:contentPart>
+        </mc:Choice>
+        <mc:Fallback>
+          <p:pic>
+            <p:nvPicPr>
+              <p:cNvPr id="9" name="Ink 8">
+                <a:extLst>
+                  <a:ext uri="{FF2B5EF4-FFF2-40B4-BE49-F238E27FC236}">
+                    <a16:creationId xmlns:a16="http://schemas.microsoft.com/office/drawing/2014/main" id="{4C97F9D1-050F-8A3A-96EF-407BF833FE80}"/>
+                  </a:ext>
+                </a:extLst>
+              </p:cNvPr>
+              <p:cNvPicPr/>
+              <p:nvPr/>
+            </p:nvPicPr>
+            <p:blipFill>
+              <a:blip r:embed="rId12"/>
+              <a:stretch>
+                <a:fillRect/>
+              </a:stretch>
+            </p:blipFill>
+            <p:spPr>
+              <a:xfrm>
+                <a:off x="2942280" y="7281053"/>
+                <a:ext cx="802080" cy="144000"/>
+              </a:xfrm>
+              <a:prstGeom prst="rect">
+                <a:avLst/>
+              </a:prstGeom>
+            </p:spPr>
+          </p:pic>
+        </mc:Fallback>
+      </mc:AlternateContent>
+      <mc:AlternateContent xmlns:mc="http://schemas.openxmlformats.org/markup-compatibility/2006">
+        <mc:Choice xmlns:p14="http://schemas.microsoft.com/office/powerpoint/2010/main" Requires="p14">
+          <p:contentPart p14:bwMode="auto" r:id="rId13">
+            <p14:nvContentPartPr>
+              <p14:cNvPr id="10" name="Ink 9">
+                <a:extLst>
+                  <a:ext uri="{FF2B5EF4-FFF2-40B4-BE49-F238E27FC236}">
+                    <a16:creationId xmlns:a16="http://schemas.microsoft.com/office/drawing/2014/main" id="{8BA243D4-B1BC-CB8C-8188-7B16E8FDD6B2}"/>
+                  </a:ext>
+                </a:extLst>
+              </p14:cNvPr>
+              <p14:cNvContentPartPr/>
+              <p14:nvPr/>
+            </p14:nvContentPartPr>
+            <p14:xfrm>
+              <a:off x="11846520" y="7426133"/>
+              <a:ext cx="746280" cy="360"/>
+            </p14:xfrm>
+          </p:contentPart>
+        </mc:Choice>
+        <mc:Fallback>
+          <p:pic>
+            <p:nvPicPr>
+              <p:cNvPr id="10" name="Ink 9">
+                <a:extLst>
+                  <a:ext uri="{FF2B5EF4-FFF2-40B4-BE49-F238E27FC236}">
+                    <a16:creationId xmlns:a16="http://schemas.microsoft.com/office/drawing/2014/main" id="{8BA243D4-B1BC-CB8C-8188-7B16E8FDD6B2}"/>
+                  </a:ext>
+                </a:extLst>
+              </p:cNvPr>
+              <p:cNvPicPr/>
+              <p:nvPr/>
+            </p:nvPicPr>
+            <p:blipFill>
+              <a:blip r:embed="rId14"/>
+              <a:stretch>
+                <a:fillRect/>
+              </a:stretch>
+            </p:blipFill>
+            <p:spPr>
+              <a:xfrm>
+                <a:off x="11810520" y="7354493"/>
+                <a:ext cx="817920" cy="144000"/>
+              </a:xfrm>
+              <a:prstGeom prst="rect">
+                <a:avLst/>
+              </a:prstGeom>
+            </p:spPr>
+          </p:pic>
+        </mc:Fallback>
+      </mc:AlternateContent>
+      <mc:AlternateContent xmlns:mc="http://schemas.openxmlformats.org/markup-compatibility/2006">
+        <mc:Choice xmlns:p14="http://schemas.microsoft.com/office/powerpoint/2010/main" Requires="p14">
+          <p:contentPart p14:bwMode="auto" r:id="rId15">
+            <p14:nvContentPartPr>
+              <p14:cNvPr id="11" name="Ink 10">
+                <a:extLst>
+                  <a:ext uri="{FF2B5EF4-FFF2-40B4-BE49-F238E27FC236}">
+                    <a16:creationId xmlns:a16="http://schemas.microsoft.com/office/drawing/2014/main" id="{09A5C490-6410-627C-CF23-1AE66364F0A8}"/>
+                  </a:ext>
+                </a:extLst>
+              </p14:cNvPr>
+              <p14:cNvContentPartPr/>
+              <p14:nvPr/>
+            </p14:nvContentPartPr>
+            <p14:xfrm>
+              <a:off x="2722680" y="5788493"/>
+              <a:ext cx="7032960" cy="275400"/>
+            </p14:xfrm>
+          </p:contentPart>
+        </mc:Choice>
+        <mc:Fallback>
+          <p:pic>
+            <p:nvPicPr>
+              <p:cNvPr id="11" name="Ink 10">
+                <a:extLst>
+                  <a:ext uri="{FF2B5EF4-FFF2-40B4-BE49-F238E27FC236}">
+                    <a16:creationId xmlns:a16="http://schemas.microsoft.com/office/drawing/2014/main" id="{09A5C490-6410-627C-CF23-1AE66364F0A8}"/>
+                  </a:ext>
+                </a:extLst>
+              </p:cNvPr>
+              <p:cNvPicPr/>
+              <p:nvPr/>
+            </p:nvPicPr>
+            <p:blipFill>
+              <a:blip r:embed="rId16"/>
+              <a:stretch>
+                <a:fillRect/>
+              </a:stretch>
+            </p:blipFill>
+            <p:spPr>
+              <a:xfrm>
+                <a:off x="2687040" y="5716853"/>
+                <a:ext cx="7104600" cy="419040"/>
+              </a:xfrm>
+              <a:prstGeom prst="rect">
+                <a:avLst/>
+              </a:prstGeom>
+            </p:spPr>
+          </p:pic>
+        </mc:Fallback>
+      </mc:AlternateContent>
     </p:spTree>
     <p:extLst>
       <p:ext uri="{BB962C8B-B14F-4D97-AF65-F5344CB8AC3E}">
@@ -8131,6 +9164,108 @@
           </a:p>
         </p:txBody>
       </p:sp>
+      <mc:AlternateContent xmlns:mc="http://schemas.openxmlformats.org/markup-compatibility/2006">
+        <mc:Choice xmlns:p14="http://schemas.microsoft.com/office/powerpoint/2010/main" Requires="p14">
+          <p:contentPart p14:bwMode="auto" r:id="rId2">
+            <p14:nvContentPartPr>
+              <p14:cNvPr id="4" name="Ink 3">
+                <a:extLst>
+                  <a:ext uri="{FF2B5EF4-FFF2-40B4-BE49-F238E27FC236}">
+                    <a16:creationId xmlns:a16="http://schemas.microsoft.com/office/drawing/2014/main" id="{57C30A0D-C2C1-EE04-56F9-1DA17BA3A988}"/>
+                  </a:ext>
+                </a:extLst>
+              </p14:cNvPr>
+              <p14:cNvContentPartPr/>
+              <p14:nvPr/>
+            </p14:nvContentPartPr>
+            <p14:xfrm>
+              <a:off x="1386000" y="2975453"/>
+              <a:ext cx="2433960" cy="42840"/>
+            </p14:xfrm>
+          </p:contentPart>
+        </mc:Choice>
+        <mc:Fallback>
+          <p:pic>
+            <p:nvPicPr>
+              <p:cNvPr id="4" name="Ink 3">
+                <a:extLst>
+                  <a:ext uri="{FF2B5EF4-FFF2-40B4-BE49-F238E27FC236}">
+                    <a16:creationId xmlns:a16="http://schemas.microsoft.com/office/drawing/2014/main" id="{57C30A0D-C2C1-EE04-56F9-1DA17BA3A988}"/>
+                  </a:ext>
+                </a:extLst>
+              </p:cNvPr>
+              <p:cNvPicPr/>
+              <p:nvPr/>
+            </p:nvPicPr>
+            <p:blipFill>
+              <a:blip r:embed="rId3"/>
+              <a:stretch>
+                <a:fillRect/>
+              </a:stretch>
+            </p:blipFill>
+            <p:spPr>
+              <a:xfrm>
+                <a:off x="1350000" y="2903453"/>
+                <a:ext cx="2505600" cy="186480"/>
+              </a:xfrm>
+              <a:prstGeom prst="rect">
+                <a:avLst/>
+              </a:prstGeom>
+            </p:spPr>
+          </p:pic>
+        </mc:Fallback>
+      </mc:AlternateContent>
+      <mc:AlternateContent xmlns:mc="http://schemas.openxmlformats.org/markup-compatibility/2006">
+        <mc:Choice xmlns:p14="http://schemas.microsoft.com/office/powerpoint/2010/main" Requires="p14">
+          <p:contentPart p14:bwMode="auto" r:id="rId4">
+            <p14:nvContentPartPr>
+              <p14:cNvPr id="6" name="Ink 5">
+                <a:extLst>
+                  <a:ext uri="{FF2B5EF4-FFF2-40B4-BE49-F238E27FC236}">
+                    <a16:creationId xmlns:a16="http://schemas.microsoft.com/office/drawing/2014/main" id="{846787B3-BC4F-B6D2-9EB5-B2214DB6CC43}"/>
+                  </a:ext>
+                </a:extLst>
+              </p14:cNvPr>
+              <p14:cNvContentPartPr/>
+              <p14:nvPr/>
+            </p14:nvContentPartPr>
+            <p14:xfrm>
+              <a:off x="1396440" y="4207013"/>
+              <a:ext cx="3294720" cy="182160"/>
+            </p14:xfrm>
+          </p:contentPart>
+        </mc:Choice>
+        <mc:Fallback>
+          <p:pic>
+            <p:nvPicPr>
+              <p:cNvPr id="6" name="Ink 5">
+                <a:extLst>
+                  <a:ext uri="{FF2B5EF4-FFF2-40B4-BE49-F238E27FC236}">
+                    <a16:creationId xmlns:a16="http://schemas.microsoft.com/office/drawing/2014/main" id="{846787B3-BC4F-B6D2-9EB5-B2214DB6CC43}"/>
+                  </a:ext>
+                </a:extLst>
+              </p:cNvPr>
+              <p:cNvPicPr/>
+              <p:nvPr/>
+            </p:nvPicPr>
+            <p:blipFill>
+              <a:blip r:embed="rId5"/>
+              <a:stretch>
+                <a:fillRect/>
+              </a:stretch>
+            </p:blipFill>
+            <p:spPr>
+              <a:xfrm>
+                <a:off x="1360800" y="4135373"/>
+                <a:ext cx="3366360" cy="325800"/>
+              </a:xfrm>
+              <a:prstGeom prst="rect">
+                <a:avLst/>
+              </a:prstGeom>
+            </p:spPr>
+          </p:pic>
+        </mc:Fallback>
+      </mc:AlternateContent>
     </p:spTree>
     <p:extLst>
       <p:ext uri="{BB962C8B-B14F-4D97-AF65-F5344CB8AC3E}">
@@ -8227,6 +9362,618 @@
           </a:p>
         </p:txBody>
       </p:sp>
+      <mc:AlternateContent xmlns:mc="http://schemas.openxmlformats.org/markup-compatibility/2006">
+        <mc:Choice xmlns:p14="http://schemas.microsoft.com/office/powerpoint/2010/main" Requires="p14">
+          <p:contentPart p14:bwMode="auto" r:id="rId3">
+            <p14:nvContentPartPr>
+              <p14:cNvPr id="3" name="Ink 2">
+                <a:extLst>
+                  <a:ext uri="{FF2B5EF4-FFF2-40B4-BE49-F238E27FC236}">
+                    <a16:creationId xmlns:a16="http://schemas.microsoft.com/office/drawing/2014/main" id="{0B5A1E87-DA4D-2C80-289A-9804AD8635B4}"/>
+                  </a:ext>
+                </a:extLst>
+              </p14:cNvPr>
+              <p14:cNvContentPartPr/>
+              <p14:nvPr/>
+            </p14:nvContentPartPr>
+            <p14:xfrm>
+              <a:off x="1954440" y="1205693"/>
+              <a:ext cx="332280" cy="360"/>
+            </p14:xfrm>
+          </p:contentPart>
+        </mc:Choice>
+        <mc:Fallback>
+          <p:pic>
+            <p:nvPicPr>
+              <p:cNvPr id="3" name="Ink 2">
+                <a:extLst>
+                  <a:ext uri="{FF2B5EF4-FFF2-40B4-BE49-F238E27FC236}">
+                    <a16:creationId xmlns:a16="http://schemas.microsoft.com/office/drawing/2014/main" id="{0B5A1E87-DA4D-2C80-289A-9804AD8635B4}"/>
+                  </a:ext>
+                </a:extLst>
+              </p:cNvPr>
+              <p:cNvPicPr/>
+              <p:nvPr/>
+            </p:nvPicPr>
+            <p:blipFill>
+              <a:blip r:embed="rId4"/>
+              <a:stretch>
+                <a:fillRect/>
+              </a:stretch>
+            </p:blipFill>
+            <p:spPr>
+              <a:xfrm>
+                <a:off x="1918440" y="1133693"/>
+                <a:ext cx="403920" cy="144000"/>
+              </a:xfrm>
+              <a:prstGeom prst="rect">
+                <a:avLst/>
+              </a:prstGeom>
+            </p:spPr>
+          </p:pic>
+        </mc:Fallback>
+      </mc:AlternateContent>
+      <mc:AlternateContent xmlns:mc="http://schemas.openxmlformats.org/markup-compatibility/2006">
+        <mc:Choice xmlns:p14="http://schemas.microsoft.com/office/powerpoint/2010/main" Requires="p14">
+          <p:contentPart p14:bwMode="auto" r:id="rId5">
+            <p14:nvContentPartPr>
+              <p14:cNvPr id="4" name="Ink 3">
+                <a:extLst>
+                  <a:ext uri="{FF2B5EF4-FFF2-40B4-BE49-F238E27FC236}">
+                    <a16:creationId xmlns:a16="http://schemas.microsoft.com/office/drawing/2014/main" id="{5B55E7AE-5D9C-8E3A-877B-B00153B18551}"/>
+                  </a:ext>
+                </a:extLst>
+              </p14:cNvPr>
+              <p14:cNvContentPartPr/>
+              <p14:nvPr/>
+            </p14:nvContentPartPr>
+            <p14:xfrm>
+              <a:off x="1938600" y="2085893"/>
+              <a:ext cx="485640" cy="20160"/>
+            </p14:xfrm>
+          </p:contentPart>
+        </mc:Choice>
+        <mc:Fallback>
+          <p:pic>
+            <p:nvPicPr>
+              <p:cNvPr id="4" name="Ink 3">
+                <a:extLst>
+                  <a:ext uri="{FF2B5EF4-FFF2-40B4-BE49-F238E27FC236}">
+                    <a16:creationId xmlns:a16="http://schemas.microsoft.com/office/drawing/2014/main" id="{5B55E7AE-5D9C-8E3A-877B-B00153B18551}"/>
+                  </a:ext>
+                </a:extLst>
+              </p:cNvPr>
+              <p:cNvPicPr/>
+              <p:nvPr/>
+            </p:nvPicPr>
+            <p:blipFill>
+              <a:blip r:embed="rId6"/>
+              <a:stretch>
+                <a:fillRect/>
+              </a:stretch>
+            </p:blipFill>
+            <p:spPr>
+              <a:xfrm>
+                <a:off x="1902600" y="2014253"/>
+                <a:ext cx="557280" cy="163800"/>
+              </a:xfrm>
+              <a:prstGeom prst="rect">
+                <a:avLst/>
+              </a:prstGeom>
+            </p:spPr>
+          </p:pic>
+        </mc:Fallback>
+      </mc:AlternateContent>
+      <mc:AlternateContent xmlns:mc="http://schemas.openxmlformats.org/markup-compatibility/2006">
+        <mc:Choice xmlns:p14="http://schemas.microsoft.com/office/powerpoint/2010/main" Requires="p14">
+          <p:contentPart p14:bwMode="auto" r:id="rId7">
+            <p14:nvContentPartPr>
+              <p14:cNvPr id="5" name="Ink 4">
+                <a:extLst>
+                  <a:ext uri="{FF2B5EF4-FFF2-40B4-BE49-F238E27FC236}">
+                    <a16:creationId xmlns:a16="http://schemas.microsoft.com/office/drawing/2014/main" id="{2B61F551-B1FE-4D1C-8F05-90F4704B3179}"/>
+                  </a:ext>
+                </a:extLst>
+              </p14:cNvPr>
+              <p14:cNvContentPartPr/>
+              <p14:nvPr/>
+            </p14:nvContentPartPr>
+            <p14:xfrm>
+              <a:off x="4593240" y="1990853"/>
+              <a:ext cx="946800" cy="39960"/>
+            </p14:xfrm>
+          </p:contentPart>
+        </mc:Choice>
+        <mc:Fallback>
+          <p:pic>
+            <p:nvPicPr>
+              <p:cNvPr id="5" name="Ink 4">
+                <a:extLst>
+                  <a:ext uri="{FF2B5EF4-FFF2-40B4-BE49-F238E27FC236}">
+                    <a16:creationId xmlns:a16="http://schemas.microsoft.com/office/drawing/2014/main" id="{2B61F551-B1FE-4D1C-8F05-90F4704B3179}"/>
+                  </a:ext>
+                </a:extLst>
+              </p:cNvPr>
+              <p:cNvPicPr/>
+              <p:nvPr/>
+            </p:nvPicPr>
+            <p:blipFill>
+              <a:blip r:embed="rId8"/>
+              <a:stretch>
+                <a:fillRect/>
+              </a:stretch>
+            </p:blipFill>
+            <p:spPr>
+              <a:xfrm>
+                <a:off x="4557600" y="1919213"/>
+                <a:ext cx="1018440" cy="183600"/>
+              </a:xfrm>
+              <a:prstGeom prst="rect">
+                <a:avLst/>
+              </a:prstGeom>
+            </p:spPr>
+          </p:pic>
+        </mc:Fallback>
+      </mc:AlternateContent>
+      <mc:AlternateContent xmlns:mc="http://schemas.openxmlformats.org/markup-compatibility/2006">
+        <mc:Choice xmlns:p14="http://schemas.microsoft.com/office/powerpoint/2010/main" Requires="p14">
+          <p:contentPart p14:bwMode="auto" r:id="rId9">
+            <p14:nvContentPartPr>
+              <p14:cNvPr id="7" name="Ink 6">
+                <a:extLst>
+                  <a:ext uri="{FF2B5EF4-FFF2-40B4-BE49-F238E27FC236}">
+                    <a16:creationId xmlns:a16="http://schemas.microsoft.com/office/drawing/2014/main" id="{D067F3C2-81EB-3EB8-8A7B-6F8F1F63B551}"/>
+                  </a:ext>
+                </a:extLst>
+              </p14:cNvPr>
+              <p14:cNvContentPartPr/>
+              <p14:nvPr/>
+            </p14:nvContentPartPr>
+            <p14:xfrm>
+              <a:off x="4670640" y="2173013"/>
+              <a:ext cx="536040" cy="360"/>
+            </p14:xfrm>
+          </p:contentPart>
+        </mc:Choice>
+        <mc:Fallback>
+          <p:pic>
+            <p:nvPicPr>
+              <p:cNvPr id="7" name="Ink 6">
+                <a:extLst>
+                  <a:ext uri="{FF2B5EF4-FFF2-40B4-BE49-F238E27FC236}">
+                    <a16:creationId xmlns:a16="http://schemas.microsoft.com/office/drawing/2014/main" id="{D067F3C2-81EB-3EB8-8A7B-6F8F1F63B551}"/>
+                  </a:ext>
+                </a:extLst>
+              </p:cNvPr>
+              <p:cNvPicPr/>
+              <p:nvPr/>
+            </p:nvPicPr>
+            <p:blipFill>
+              <a:blip r:embed="rId10"/>
+              <a:stretch>
+                <a:fillRect/>
+              </a:stretch>
+            </p:blipFill>
+            <p:spPr>
+              <a:xfrm>
+                <a:off x="4635000" y="2101013"/>
+                <a:ext cx="607680" cy="144000"/>
+              </a:xfrm>
+              <a:prstGeom prst="rect">
+                <a:avLst/>
+              </a:prstGeom>
+            </p:spPr>
+          </p:pic>
+        </mc:Fallback>
+      </mc:AlternateContent>
+      <mc:AlternateContent xmlns:mc="http://schemas.openxmlformats.org/markup-compatibility/2006">
+        <mc:Choice xmlns:p14="http://schemas.microsoft.com/office/powerpoint/2010/main" Requires="p14">
+          <p:contentPart p14:bwMode="auto" r:id="rId11">
+            <p14:nvContentPartPr>
+              <p14:cNvPr id="8" name="Ink 7">
+                <a:extLst>
+                  <a:ext uri="{FF2B5EF4-FFF2-40B4-BE49-F238E27FC236}">
+                    <a16:creationId xmlns:a16="http://schemas.microsoft.com/office/drawing/2014/main" id="{95B2CA38-0AEB-8864-6CBD-0C8C62D39A36}"/>
+                  </a:ext>
+                </a:extLst>
+              </p14:cNvPr>
+              <p14:cNvContentPartPr/>
+              <p14:nvPr/>
+            </p14:nvContentPartPr>
+            <p14:xfrm>
+              <a:off x="7354800" y="1945133"/>
+              <a:ext cx="360" cy="360"/>
+            </p14:xfrm>
+          </p:contentPart>
+        </mc:Choice>
+        <mc:Fallback>
+          <p:pic>
+            <p:nvPicPr>
+              <p:cNvPr id="8" name="Ink 7">
+                <a:extLst>
+                  <a:ext uri="{FF2B5EF4-FFF2-40B4-BE49-F238E27FC236}">
+                    <a16:creationId xmlns:a16="http://schemas.microsoft.com/office/drawing/2014/main" id="{95B2CA38-0AEB-8864-6CBD-0C8C62D39A36}"/>
+                  </a:ext>
+                </a:extLst>
+              </p:cNvPr>
+              <p:cNvPicPr/>
+              <p:nvPr/>
+            </p:nvPicPr>
+            <p:blipFill>
+              <a:blip r:embed="rId12"/>
+              <a:stretch>
+                <a:fillRect/>
+              </a:stretch>
+            </p:blipFill>
+            <p:spPr>
+              <a:xfrm>
+                <a:off x="7318800" y="1873493"/>
+                <a:ext cx="72000" cy="144000"/>
+              </a:xfrm>
+              <a:prstGeom prst="rect">
+                <a:avLst/>
+              </a:prstGeom>
+            </p:spPr>
+          </p:pic>
+        </mc:Fallback>
+      </mc:AlternateContent>
+      <mc:AlternateContent xmlns:mc="http://schemas.openxmlformats.org/markup-compatibility/2006">
+        <mc:Choice xmlns:p14="http://schemas.microsoft.com/office/powerpoint/2010/main" Requires="p14">
+          <p:contentPart p14:bwMode="auto" r:id="rId13">
+            <p14:nvContentPartPr>
+              <p14:cNvPr id="9" name="Ink 8">
+                <a:extLst>
+                  <a:ext uri="{FF2B5EF4-FFF2-40B4-BE49-F238E27FC236}">
+                    <a16:creationId xmlns:a16="http://schemas.microsoft.com/office/drawing/2014/main" id="{9C571F91-9556-243B-BF0B-072E64B8E046}"/>
+                  </a:ext>
+                </a:extLst>
+              </p14:cNvPr>
+              <p14:cNvContentPartPr/>
+              <p14:nvPr/>
+            </p14:nvContentPartPr>
+            <p14:xfrm>
+              <a:off x="7355880" y="1914173"/>
+              <a:ext cx="871920" cy="13320"/>
+            </p14:xfrm>
+          </p:contentPart>
+        </mc:Choice>
+        <mc:Fallback>
+          <p:pic>
+            <p:nvPicPr>
+              <p:cNvPr id="9" name="Ink 8">
+                <a:extLst>
+                  <a:ext uri="{FF2B5EF4-FFF2-40B4-BE49-F238E27FC236}">
+                    <a16:creationId xmlns:a16="http://schemas.microsoft.com/office/drawing/2014/main" id="{9C571F91-9556-243B-BF0B-072E64B8E046}"/>
+                  </a:ext>
+                </a:extLst>
+              </p:cNvPr>
+              <p:cNvPicPr/>
+              <p:nvPr/>
+            </p:nvPicPr>
+            <p:blipFill>
+              <a:blip r:embed="rId14"/>
+              <a:stretch>
+                <a:fillRect/>
+              </a:stretch>
+            </p:blipFill>
+            <p:spPr>
+              <a:xfrm>
+                <a:off x="7319880" y="1842533"/>
+                <a:ext cx="943560" cy="156960"/>
+              </a:xfrm>
+              <a:prstGeom prst="rect">
+                <a:avLst/>
+              </a:prstGeom>
+            </p:spPr>
+          </p:pic>
+        </mc:Fallback>
+      </mc:AlternateContent>
+      <mc:AlternateContent xmlns:mc="http://schemas.openxmlformats.org/markup-compatibility/2006">
+        <mc:Choice xmlns:p14="http://schemas.microsoft.com/office/powerpoint/2010/main" Requires="p14">
+          <p:contentPart p14:bwMode="auto" r:id="rId15">
+            <p14:nvContentPartPr>
+              <p14:cNvPr id="10" name="Ink 9">
+                <a:extLst>
+                  <a:ext uri="{FF2B5EF4-FFF2-40B4-BE49-F238E27FC236}">
+                    <a16:creationId xmlns:a16="http://schemas.microsoft.com/office/drawing/2014/main" id="{27EA8A74-0443-30CA-CD6D-42AEED1E37D9}"/>
+                  </a:ext>
+                </a:extLst>
+              </p14:cNvPr>
+              <p14:cNvContentPartPr/>
+              <p14:nvPr/>
+            </p14:nvContentPartPr>
+            <p14:xfrm>
+              <a:off x="2040480" y="3319613"/>
+              <a:ext cx="1540800" cy="36000"/>
+            </p14:xfrm>
+          </p:contentPart>
+        </mc:Choice>
+        <mc:Fallback>
+          <p:pic>
+            <p:nvPicPr>
+              <p:cNvPr id="10" name="Ink 9">
+                <a:extLst>
+                  <a:ext uri="{FF2B5EF4-FFF2-40B4-BE49-F238E27FC236}">
+                    <a16:creationId xmlns:a16="http://schemas.microsoft.com/office/drawing/2014/main" id="{27EA8A74-0443-30CA-CD6D-42AEED1E37D9}"/>
+                  </a:ext>
+                </a:extLst>
+              </p:cNvPr>
+              <p:cNvPicPr/>
+              <p:nvPr/>
+            </p:nvPicPr>
+            <p:blipFill>
+              <a:blip r:embed="rId16"/>
+              <a:stretch>
+                <a:fillRect/>
+              </a:stretch>
+            </p:blipFill>
+            <p:spPr>
+              <a:xfrm>
+                <a:off x="2004840" y="3247973"/>
+                <a:ext cx="1612440" cy="179640"/>
+              </a:xfrm>
+              <a:prstGeom prst="rect">
+                <a:avLst/>
+              </a:prstGeom>
+            </p:spPr>
+          </p:pic>
+        </mc:Fallback>
+      </mc:AlternateContent>
+      <mc:AlternateContent xmlns:mc="http://schemas.openxmlformats.org/markup-compatibility/2006">
+        <mc:Choice xmlns:p14="http://schemas.microsoft.com/office/powerpoint/2010/main" Requires="p14">
+          <p:contentPart p14:bwMode="auto" r:id="rId17">
+            <p14:nvContentPartPr>
+              <p14:cNvPr id="11" name="Ink 10">
+                <a:extLst>
+                  <a:ext uri="{FF2B5EF4-FFF2-40B4-BE49-F238E27FC236}">
+                    <a16:creationId xmlns:a16="http://schemas.microsoft.com/office/drawing/2014/main" id="{3CD0EA60-90FB-EAF0-C13E-83AE93A69A81}"/>
+                  </a:ext>
+                </a:extLst>
+              </p14:cNvPr>
+              <p14:cNvContentPartPr/>
+              <p14:nvPr/>
+            </p14:nvContentPartPr>
+            <p14:xfrm>
+              <a:off x="1883160" y="4604093"/>
+              <a:ext cx="1510920" cy="5040"/>
+            </p14:xfrm>
+          </p:contentPart>
+        </mc:Choice>
+        <mc:Fallback>
+          <p:pic>
+            <p:nvPicPr>
+              <p:cNvPr id="11" name="Ink 10">
+                <a:extLst>
+                  <a:ext uri="{FF2B5EF4-FFF2-40B4-BE49-F238E27FC236}">
+                    <a16:creationId xmlns:a16="http://schemas.microsoft.com/office/drawing/2014/main" id="{3CD0EA60-90FB-EAF0-C13E-83AE93A69A81}"/>
+                  </a:ext>
+                </a:extLst>
+              </p:cNvPr>
+              <p:cNvPicPr/>
+              <p:nvPr/>
+            </p:nvPicPr>
+            <p:blipFill>
+              <a:blip r:embed="rId18"/>
+              <a:stretch>
+                <a:fillRect/>
+              </a:stretch>
+            </p:blipFill>
+            <p:spPr>
+              <a:xfrm>
+                <a:off x="1847160" y="4532453"/>
+                <a:ext cx="1582560" cy="148680"/>
+              </a:xfrm>
+              <a:prstGeom prst="rect">
+                <a:avLst/>
+              </a:prstGeom>
+            </p:spPr>
+          </p:pic>
+        </mc:Fallback>
+      </mc:AlternateContent>
+      <mc:AlternateContent xmlns:mc="http://schemas.openxmlformats.org/markup-compatibility/2006">
+        <mc:Choice xmlns:p14="http://schemas.microsoft.com/office/powerpoint/2010/main" Requires="p14">
+          <p:contentPart p14:bwMode="auto" r:id="rId19">
+            <p14:nvContentPartPr>
+              <p14:cNvPr id="12" name="Ink 11">
+                <a:extLst>
+                  <a:ext uri="{FF2B5EF4-FFF2-40B4-BE49-F238E27FC236}">
+                    <a16:creationId xmlns:a16="http://schemas.microsoft.com/office/drawing/2014/main" id="{8CD080E3-271D-FEA7-0968-33329454FA81}"/>
+                  </a:ext>
+                </a:extLst>
+              </p14:cNvPr>
+              <p14:cNvContentPartPr/>
+              <p14:nvPr/>
+            </p14:nvContentPartPr>
+            <p14:xfrm>
+              <a:off x="1805400" y="5227613"/>
+              <a:ext cx="788400" cy="911520"/>
+            </p14:xfrm>
+          </p:contentPart>
+        </mc:Choice>
+        <mc:Fallback>
+          <p:pic>
+            <p:nvPicPr>
+              <p:cNvPr id="12" name="Ink 11">
+                <a:extLst>
+                  <a:ext uri="{FF2B5EF4-FFF2-40B4-BE49-F238E27FC236}">
+                    <a16:creationId xmlns:a16="http://schemas.microsoft.com/office/drawing/2014/main" id="{8CD080E3-271D-FEA7-0968-33329454FA81}"/>
+                  </a:ext>
+                </a:extLst>
+              </p:cNvPr>
+              <p:cNvPicPr/>
+              <p:nvPr/>
+            </p:nvPicPr>
+            <p:blipFill>
+              <a:blip r:embed="rId20"/>
+              <a:stretch>
+                <a:fillRect/>
+              </a:stretch>
+            </p:blipFill>
+            <p:spPr>
+              <a:xfrm>
+                <a:off x="1769400" y="5155973"/>
+                <a:ext cx="860040" cy="1055160"/>
+              </a:xfrm>
+              <a:prstGeom prst="rect">
+                <a:avLst/>
+              </a:prstGeom>
+            </p:spPr>
+          </p:pic>
+        </mc:Fallback>
+      </mc:AlternateContent>
+      <mc:AlternateContent xmlns:mc="http://schemas.openxmlformats.org/markup-compatibility/2006">
+        <mc:Choice xmlns:p14="http://schemas.microsoft.com/office/powerpoint/2010/main" Requires="p14">
+          <p:contentPart p14:bwMode="auto" r:id="rId21">
+            <p14:nvContentPartPr>
+              <p14:cNvPr id="13" name="Ink 12">
+                <a:extLst>
+                  <a:ext uri="{FF2B5EF4-FFF2-40B4-BE49-F238E27FC236}">
+                    <a16:creationId xmlns:a16="http://schemas.microsoft.com/office/drawing/2014/main" id="{E387781C-56C0-47C2-8D39-238FBAFF981B}"/>
+                  </a:ext>
+                </a:extLst>
+              </p14:cNvPr>
+              <p14:cNvContentPartPr/>
+              <p14:nvPr/>
+            </p14:nvContentPartPr>
+            <p14:xfrm>
+              <a:off x="2124720" y="6075053"/>
+              <a:ext cx="5644080" cy="710640"/>
+            </p14:xfrm>
+          </p:contentPart>
+        </mc:Choice>
+        <mc:Fallback>
+          <p:pic>
+            <p:nvPicPr>
+              <p:cNvPr id="13" name="Ink 12">
+                <a:extLst>
+                  <a:ext uri="{FF2B5EF4-FFF2-40B4-BE49-F238E27FC236}">
+                    <a16:creationId xmlns:a16="http://schemas.microsoft.com/office/drawing/2014/main" id="{E387781C-56C0-47C2-8D39-238FBAFF981B}"/>
+                  </a:ext>
+                </a:extLst>
+              </p:cNvPr>
+              <p:cNvPicPr/>
+              <p:nvPr/>
+            </p:nvPicPr>
+            <p:blipFill>
+              <a:blip r:embed="rId22"/>
+              <a:stretch>
+                <a:fillRect/>
+              </a:stretch>
+            </p:blipFill>
+            <p:spPr>
+              <a:xfrm>
+                <a:off x="2088720" y="6003413"/>
+                <a:ext cx="5715720" cy="854280"/>
+              </a:xfrm>
+              <a:prstGeom prst="rect">
+                <a:avLst/>
+              </a:prstGeom>
+            </p:spPr>
+          </p:pic>
+        </mc:Fallback>
+      </mc:AlternateContent>
+      <mc:AlternateContent xmlns:mc="http://schemas.openxmlformats.org/markup-compatibility/2006">
+        <mc:Choice xmlns:p14="http://schemas.microsoft.com/office/powerpoint/2010/main" Requires="p14">
+          <p:contentPart p14:bwMode="auto" r:id="rId23">
+            <p14:nvContentPartPr>
+              <p14:cNvPr id="14" name="Ink 13">
+                <a:extLst>
+                  <a:ext uri="{FF2B5EF4-FFF2-40B4-BE49-F238E27FC236}">
+                    <a16:creationId xmlns:a16="http://schemas.microsoft.com/office/drawing/2014/main" id="{1933B3DB-3569-837E-F537-33A00C30B769}"/>
+                  </a:ext>
+                </a:extLst>
+              </p14:cNvPr>
+              <p14:cNvContentPartPr/>
+              <p14:nvPr/>
+            </p14:nvContentPartPr>
+            <p14:xfrm>
+              <a:off x="7366680" y="5355053"/>
+              <a:ext cx="895680" cy="791280"/>
+            </p14:xfrm>
+          </p:contentPart>
+        </mc:Choice>
+        <mc:Fallback>
+          <p:pic>
+            <p:nvPicPr>
+              <p:cNvPr id="14" name="Ink 13">
+                <a:extLst>
+                  <a:ext uri="{FF2B5EF4-FFF2-40B4-BE49-F238E27FC236}">
+                    <a16:creationId xmlns:a16="http://schemas.microsoft.com/office/drawing/2014/main" id="{1933B3DB-3569-837E-F537-33A00C30B769}"/>
+                  </a:ext>
+                </a:extLst>
+              </p:cNvPr>
+              <p:cNvPicPr/>
+              <p:nvPr/>
+            </p:nvPicPr>
+            <p:blipFill>
+              <a:blip r:embed="rId24"/>
+              <a:stretch>
+                <a:fillRect/>
+              </a:stretch>
+            </p:blipFill>
+            <p:spPr>
+              <a:xfrm>
+                <a:off x="7331040" y="5283413"/>
+                <a:ext cx="967320" cy="934920"/>
+              </a:xfrm>
+              <a:prstGeom prst="rect">
+                <a:avLst/>
+              </a:prstGeom>
+            </p:spPr>
+          </p:pic>
+        </mc:Fallback>
+      </mc:AlternateContent>
+      <mc:AlternateContent xmlns:mc="http://schemas.openxmlformats.org/markup-compatibility/2006">
+        <mc:Choice xmlns:p14="http://schemas.microsoft.com/office/powerpoint/2010/main" Requires="p14">
+          <p:contentPart p14:bwMode="auto" r:id="rId25">
+            <p14:nvContentPartPr>
+              <p14:cNvPr id="15" name="Ink 14">
+                <a:extLst>
+                  <a:ext uri="{FF2B5EF4-FFF2-40B4-BE49-F238E27FC236}">
+                    <a16:creationId xmlns:a16="http://schemas.microsoft.com/office/drawing/2014/main" id="{BA3D066F-BEE9-7C5A-A69C-744FD846FDF6}"/>
+                  </a:ext>
+                </a:extLst>
+              </p14:cNvPr>
+              <p14:cNvContentPartPr/>
+              <p14:nvPr/>
+            </p14:nvContentPartPr>
+            <p14:xfrm>
+              <a:off x="1898640" y="7697933"/>
+              <a:ext cx="1805040" cy="40320"/>
+            </p14:xfrm>
+          </p:contentPart>
+        </mc:Choice>
+        <mc:Fallback>
+          <p:pic>
+            <p:nvPicPr>
+              <p:cNvPr id="15" name="Ink 14">
+                <a:extLst>
+                  <a:ext uri="{FF2B5EF4-FFF2-40B4-BE49-F238E27FC236}">
+                    <a16:creationId xmlns:a16="http://schemas.microsoft.com/office/drawing/2014/main" id="{BA3D066F-BEE9-7C5A-A69C-744FD846FDF6}"/>
+                  </a:ext>
+                </a:extLst>
+              </p:cNvPr>
+              <p:cNvPicPr/>
+              <p:nvPr/>
+            </p:nvPicPr>
+            <p:blipFill>
+              <a:blip r:embed="rId26"/>
+              <a:stretch>
+                <a:fillRect/>
+              </a:stretch>
+            </p:blipFill>
+            <p:spPr>
+              <a:xfrm>
+                <a:off x="1863000" y="7625933"/>
+                <a:ext cx="1876680" cy="183960"/>
+              </a:xfrm>
+              <a:prstGeom prst="rect">
+                <a:avLst/>
+              </a:prstGeom>
+            </p:spPr>
+          </p:pic>
+        </mc:Fallback>
+      </mc:AlternateContent>
     </p:spTree>
     <p:extLst>
       <p:ext uri="{BB962C8B-B14F-4D97-AF65-F5344CB8AC3E}">
@@ -9053,6 +10800,108 @@
           </a:p>
         </p:txBody>
       </p:sp>
+      <mc:AlternateContent xmlns:mc="http://schemas.openxmlformats.org/markup-compatibility/2006">
+        <mc:Choice xmlns:p14="http://schemas.microsoft.com/office/powerpoint/2010/main" Requires="p14">
+          <p:contentPart p14:bwMode="auto" r:id="rId3">
+            <p14:nvContentPartPr>
+              <p14:cNvPr id="4" name="Ink 3">
+                <a:extLst>
+                  <a:ext uri="{FF2B5EF4-FFF2-40B4-BE49-F238E27FC236}">
+                    <a16:creationId xmlns:a16="http://schemas.microsoft.com/office/drawing/2014/main" id="{29699990-BFA0-A5FB-38C1-480F0425D9DE}"/>
+                  </a:ext>
+                </a:extLst>
+              </p14:cNvPr>
+              <p14:cNvContentPartPr/>
+              <p14:nvPr/>
+            </p14:nvContentPartPr>
+            <p14:xfrm>
+              <a:off x="8563680" y="7348733"/>
+              <a:ext cx="655560" cy="106560"/>
+            </p14:xfrm>
+          </p:contentPart>
+        </mc:Choice>
+        <mc:Fallback>
+          <p:pic>
+            <p:nvPicPr>
+              <p:cNvPr id="4" name="Ink 3">
+                <a:extLst>
+                  <a:ext uri="{FF2B5EF4-FFF2-40B4-BE49-F238E27FC236}">
+                    <a16:creationId xmlns:a16="http://schemas.microsoft.com/office/drawing/2014/main" id="{29699990-BFA0-A5FB-38C1-480F0425D9DE}"/>
+                  </a:ext>
+                </a:extLst>
+              </p:cNvPr>
+              <p:cNvPicPr/>
+              <p:nvPr/>
+            </p:nvPicPr>
+            <p:blipFill>
+              <a:blip r:embed="rId4"/>
+              <a:stretch>
+                <a:fillRect/>
+              </a:stretch>
+            </p:blipFill>
+            <p:spPr>
+              <a:xfrm>
+                <a:off x="8527680" y="7276733"/>
+                <a:ext cx="727200" cy="250200"/>
+              </a:xfrm>
+              <a:prstGeom prst="rect">
+                <a:avLst/>
+              </a:prstGeom>
+            </p:spPr>
+          </p:pic>
+        </mc:Fallback>
+      </mc:AlternateContent>
+      <mc:AlternateContent xmlns:mc="http://schemas.openxmlformats.org/markup-compatibility/2006">
+        <mc:Choice xmlns:p14="http://schemas.microsoft.com/office/powerpoint/2010/main" Requires="p14">
+          <p:contentPart p14:bwMode="auto" r:id="rId5">
+            <p14:nvContentPartPr>
+              <p14:cNvPr id="5" name="Ink 4">
+                <a:extLst>
+                  <a:ext uri="{FF2B5EF4-FFF2-40B4-BE49-F238E27FC236}">
+                    <a16:creationId xmlns:a16="http://schemas.microsoft.com/office/drawing/2014/main" id="{5CAC1CAE-F540-ACE3-E7EC-B2A0AA208DB5}"/>
+                  </a:ext>
+                </a:extLst>
+              </p14:cNvPr>
+              <p14:cNvContentPartPr/>
+              <p14:nvPr/>
+            </p14:nvContentPartPr>
+            <p14:xfrm>
+              <a:off x="8676000" y="7453493"/>
+              <a:ext cx="491040" cy="18000"/>
+            </p14:xfrm>
+          </p:contentPart>
+        </mc:Choice>
+        <mc:Fallback>
+          <p:pic>
+            <p:nvPicPr>
+              <p:cNvPr id="5" name="Ink 4">
+                <a:extLst>
+                  <a:ext uri="{FF2B5EF4-FFF2-40B4-BE49-F238E27FC236}">
+                    <a16:creationId xmlns:a16="http://schemas.microsoft.com/office/drawing/2014/main" id="{5CAC1CAE-F540-ACE3-E7EC-B2A0AA208DB5}"/>
+                  </a:ext>
+                </a:extLst>
+              </p:cNvPr>
+              <p:cNvPicPr/>
+              <p:nvPr/>
+            </p:nvPicPr>
+            <p:blipFill>
+              <a:blip r:embed="rId6"/>
+              <a:stretch>
+                <a:fillRect/>
+              </a:stretch>
+            </p:blipFill>
+            <p:spPr>
+              <a:xfrm>
+                <a:off x="8640000" y="7381493"/>
+                <a:ext cx="562680" cy="161640"/>
+              </a:xfrm>
+              <a:prstGeom prst="rect">
+                <a:avLst/>
+              </a:prstGeom>
+            </p:spPr>
+          </p:pic>
+        </mc:Fallback>
+      </mc:AlternateContent>
     </p:spTree>
     <p:extLst>
       <p:ext uri="{BB962C8B-B14F-4D97-AF65-F5344CB8AC3E}">
@@ -10564,7 +12413,24 @@
                 <a:latin typeface="MS PGothic" panose="020B0600070205080204" pitchFamily="34" charset="-128"/>
                 <a:ea typeface="MS PGothic" panose="020B0600070205080204" pitchFamily="34" charset="-128"/>
               </a:rPr>
-              <a:t>グローバル企業は生産性が高く，雇用者数が大きく，売上高や付加価値額が大きく，賃金が高い。</a:t>
+              <a:t>グローバル企業は</a:t>
+            </a:r>
+            <a:r>
+              <a:rPr lang="en-JP" sz="4400" dirty="0">
+                <a:highlight>
+                  <a:srgbClr val="FFFF00"/>
+                </a:highlight>
+                <a:latin typeface="MS PGothic" panose="020B0600070205080204" pitchFamily="34" charset="-128"/>
+                <a:ea typeface="MS PGothic" panose="020B0600070205080204" pitchFamily="34" charset="-128"/>
+              </a:rPr>
+              <a:t>生産性</a:t>
+            </a:r>
+            <a:r>
+              <a:rPr lang="en-JP" sz="4400" dirty="0">
+                <a:latin typeface="MS PGothic" panose="020B0600070205080204" pitchFamily="34" charset="-128"/>
+                <a:ea typeface="MS PGothic" panose="020B0600070205080204" pitchFamily="34" charset="-128"/>
+              </a:rPr>
+              <a:t>が高く，雇用者数が大きく，売上高や付加価値額が大きく，賃金が高い。</a:t>
             </a:r>
           </a:p>
         </p:txBody>
@@ -10811,7 +12677,26 @@
                   <a:srgbClr val="FFFF00"/>
                 </a:highlight>
               </a:rPr>
-              <a:t>Multinational Enterprise: MNE</a:t>
+              <a:t>Multinational </a:t>
+            </a:r>
+            <a:r>
+              <a:rPr lang="en-US" altLang="ja-JP" dirty="0">
+                <a:solidFill>
+                  <a:srgbClr val="0000FF"/>
+                </a:solidFill>
+                <a:highlight>
+                  <a:srgbClr val="FFFF00"/>
+                </a:highlight>
+              </a:rPr>
+              <a:t>Enterprise</a:t>
+            </a:r>
+            <a:r>
+              <a:rPr lang="en-US" altLang="ja-JP" dirty="0">
+                <a:highlight>
+                  <a:srgbClr val="FFFF00"/>
+                </a:highlight>
+              </a:rPr>
+              <a:t>: MNE</a:t>
             </a:r>
             <a:r>
               <a:rPr lang="ja-JP" altLang="en-US" dirty="0">
@@ -10956,7 +12841,19 @@
             </a:r>
             <a:r>
               <a:rPr lang="ja-JP" altLang="en-US" dirty="0"/>
-              <a:t>外国直接投資</a:t>
+              <a:t>外国</a:t>
+            </a:r>
+            <a:r>
+              <a:rPr lang="ja-JP" altLang="en-US"/>
+              <a:t>直接投資（</a:t>
+            </a:r>
+            <a:r>
+              <a:rPr lang="en-US" altLang="ja-JP" dirty="0"/>
+              <a:t>vertical FDI</a:t>
+            </a:r>
+            <a:r>
+              <a:rPr lang="ja-JP" altLang="en-US"/>
+              <a:t>）</a:t>
             </a:r>
             <a:endParaRPr lang="en-US" altLang="ja-JP" dirty="0"/>
           </a:p>
